--- a/java-ch03/src/docs/Architecture.pptx
+++ b/java-ch03/src/docs/Architecture.pptx
@@ -3071,18 +3071,1087 @@
           <a:chExt cx="0" cy="0"/>
         </a:xfrm>
       </p:grpSpPr>
+      <p:sp>
+        <p:nvSpPr>
+          <p:cNvPr id="14" name="Rectangle 13"/>
+          <p:cNvSpPr/>
+          <p:nvPr/>
+        </p:nvSpPr>
+        <p:spPr>
+          <a:xfrm>
+            <a:off x="513009" y="2232597"/>
+            <a:ext cx="2884240" cy="2212522"/>
+          </a:xfrm>
+          <a:prstGeom prst="rect">
+            <a:avLst/>
+          </a:prstGeom>
+          <a:solidFill>
+            <a:srgbClr val="E7D9F5"/>
+          </a:solidFill>
+          <a:ln>
+            <a:noFill/>
+          </a:ln>
+          <a:effectLst/>
+        </p:spPr>
+        <p:style>
+          <a:lnRef idx="1">
+            <a:schemeClr val="accent1"/>
+          </a:lnRef>
+          <a:fillRef idx="3">
+            <a:schemeClr val="accent1"/>
+          </a:fillRef>
+          <a:effectRef idx="2">
+            <a:schemeClr val="accent1"/>
+          </a:effectRef>
+          <a:fontRef idx="minor">
+            <a:schemeClr val="lt1"/>
+          </a:fontRef>
+        </p:style>
+        <p:txBody>
+          <a:bodyPr rtlCol="0" anchor="t"/>
+          <a:lstStyle/>
+          <a:p>
+            <a:pPr algn="ctr"/>
+            <a:r>
+              <a:rPr lang="en-US" sz="1400">
+                <a:solidFill>
+                  <a:schemeClr val="tx1"/>
+                </a:solidFill>
+              </a:rPr>
+              <a:t>Serialization</a:t>
+            </a:r>
+          </a:p>
+        </p:txBody>
+      </p:sp>
+      <p:sp>
+        <p:nvSpPr>
+          <p:cNvPr id="15" name="Rectangle 14"/>
+          <p:cNvSpPr/>
+          <p:nvPr/>
+        </p:nvSpPr>
+        <p:spPr>
+          <a:xfrm>
+            <a:off x="723599" y="2708848"/>
+            <a:ext cx="1317537" cy="1609886"/>
+          </a:xfrm>
+          <a:prstGeom prst="rect">
+            <a:avLst/>
+          </a:prstGeom>
+          <a:solidFill>
+            <a:srgbClr val="A298AC"/>
+          </a:solidFill>
+          <a:ln>
+            <a:noFill/>
+          </a:ln>
+          <a:effectLst/>
+        </p:spPr>
+        <p:style>
+          <a:lnRef idx="1">
+            <a:schemeClr val="accent1"/>
+          </a:lnRef>
+          <a:fillRef idx="3">
+            <a:schemeClr val="accent1"/>
+          </a:fillRef>
+          <a:effectRef idx="2">
+            <a:schemeClr val="accent1"/>
+          </a:effectRef>
+          <a:fontRef idx="minor">
+            <a:schemeClr val="lt1"/>
+          </a:fontRef>
+        </p:style>
+        <p:txBody>
+          <a:bodyPr rtlCol="0" anchor="t"/>
+          <a:lstStyle/>
+          <a:p>
+            <a:pPr algn="ctr"/>
+            <a:r>
+              <a:rPr lang="en-US" sz="1200">
+                <a:solidFill>
+                  <a:schemeClr val="bg1">
+                    <a:lumMod val="95000"/>
+                  </a:schemeClr>
+                </a:solidFill>
+              </a:rPr>
+              <a:t>Workflow </a:t>
+            </a:r>
+          </a:p>
+          <a:p>
+            <a:pPr algn="ctr"/>
+            <a:r>
+              <a:rPr lang="en-US" sz="1200">
+                <a:solidFill>
+                  <a:schemeClr val="bg1">
+                    <a:lumMod val="95000"/>
+                  </a:schemeClr>
+                </a:solidFill>
+              </a:rPr>
+              <a:t>serialization</a:t>
+            </a:r>
+          </a:p>
+        </p:txBody>
+      </p:sp>
+      <p:sp>
+        <p:nvSpPr>
+          <p:cNvPr id="22" name="Rectangle 21"/>
+          <p:cNvSpPr/>
+          <p:nvPr/>
+        </p:nvSpPr>
+        <p:spPr>
+          <a:xfrm>
+            <a:off x="3563458" y="2232597"/>
+            <a:ext cx="5102180" cy="2212521"/>
+          </a:xfrm>
+          <a:prstGeom prst="rect">
+            <a:avLst/>
+          </a:prstGeom>
+          <a:solidFill>
+            <a:schemeClr val="accent3">
+              <a:lumMod val="20000"/>
+              <a:lumOff val="80000"/>
+            </a:schemeClr>
+          </a:solidFill>
+          <a:ln>
+            <a:noFill/>
+          </a:ln>
+          <a:effectLst/>
+        </p:spPr>
+        <p:style>
+          <a:lnRef idx="1">
+            <a:schemeClr val="accent1"/>
+          </a:lnRef>
+          <a:fillRef idx="3">
+            <a:schemeClr val="accent1"/>
+          </a:fillRef>
+          <a:effectRef idx="2">
+            <a:schemeClr val="accent1"/>
+          </a:effectRef>
+          <a:fontRef idx="minor">
+            <a:schemeClr val="lt1"/>
+          </a:fontRef>
+        </p:style>
+        <p:txBody>
+          <a:bodyPr rtlCol="0" anchor="t"/>
+          <a:lstStyle/>
+          <a:p>
+            <a:r>
+              <a:rPr lang="en-US" sz="1400">
+                <a:solidFill>
+                  <a:schemeClr val="tx1"/>
+                </a:solidFill>
+              </a:rPr>
+              <a:t>Persistence</a:t>
+            </a:r>
+          </a:p>
+        </p:txBody>
+      </p:sp>
+      <p:sp>
+        <p:nvSpPr>
+          <p:cNvPr id="23" name="Rectangle 22"/>
+          <p:cNvSpPr/>
+          <p:nvPr/>
+        </p:nvSpPr>
+        <p:spPr>
+          <a:xfrm>
+            <a:off x="2092017" y="2708847"/>
+            <a:ext cx="1080343" cy="1609886"/>
+          </a:xfrm>
+          <a:prstGeom prst="rect">
+            <a:avLst/>
+          </a:prstGeom>
+          <a:solidFill>
+            <a:srgbClr val="A298AC"/>
+          </a:solidFill>
+          <a:ln>
+            <a:noFill/>
+          </a:ln>
+          <a:effectLst/>
+        </p:spPr>
+        <p:style>
+          <a:lnRef idx="1">
+            <a:schemeClr val="accent1"/>
+          </a:lnRef>
+          <a:fillRef idx="3">
+            <a:schemeClr val="accent1"/>
+          </a:fillRef>
+          <a:effectRef idx="2">
+            <a:schemeClr val="accent1"/>
+          </a:effectRef>
+          <a:fontRef idx="minor">
+            <a:schemeClr val="lt1"/>
+          </a:fontRef>
+        </p:style>
+        <p:txBody>
+          <a:bodyPr rtlCol="0" anchor="t"/>
+          <a:lstStyle/>
+          <a:p>
+            <a:pPr algn="ctr"/>
+            <a:r>
+              <a:rPr lang="en-US" sz="1200">
+                <a:solidFill>
+                  <a:schemeClr val="bg1">
+                    <a:lumMod val="95000"/>
+                  </a:schemeClr>
+                </a:solidFill>
+              </a:rPr>
+              <a:t>Workflow </a:t>
+            </a:r>
+          </a:p>
+          <a:p>
+            <a:pPr algn="ctr"/>
+            <a:r>
+              <a:rPr lang="en-US" sz="1200">
+                <a:solidFill>
+                  <a:schemeClr val="bg1">
+                    <a:lumMod val="95000"/>
+                  </a:schemeClr>
+                </a:solidFill>
+              </a:rPr>
+              <a:t>instance</a:t>
+            </a:r>
+          </a:p>
+          <a:p>
+            <a:pPr algn="ctr"/>
+            <a:r>
+              <a:rPr lang="en-US" sz="1200">
+                <a:solidFill>
+                  <a:schemeClr val="bg1">
+                    <a:lumMod val="95000"/>
+                  </a:schemeClr>
+                </a:solidFill>
+              </a:rPr>
+              <a:t>serialization</a:t>
+            </a:r>
+          </a:p>
+        </p:txBody>
+      </p:sp>
+      <p:sp>
+        <p:nvSpPr>
+          <p:cNvPr id="27" name="Rectangle 26"/>
+          <p:cNvSpPr/>
+          <p:nvPr/>
+        </p:nvSpPr>
+        <p:spPr>
+          <a:xfrm rot="16200000">
+            <a:off x="1903874" y="3688602"/>
+            <a:ext cx="881140" cy="235007"/>
+          </a:xfrm>
+          <a:prstGeom prst="rect">
+            <a:avLst/>
+          </a:prstGeom>
+          <a:solidFill>
+            <a:srgbClr val="C7BBD3"/>
+          </a:solidFill>
+          <a:ln>
+            <a:noFill/>
+          </a:ln>
+          <a:effectLst/>
+        </p:spPr>
+        <p:style>
+          <a:lnRef idx="1">
+            <a:schemeClr val="accent1"/>
+          </a:lnRef>
+          <a:fillRef idx="3">
+            <a:schemeClr val="accent1"/>
+          </a:fillRef>
+          <a:effectRef idx="2">
+            <a:schemeClr val="accent1"/>
+          </a:effectRef>
+          <a:fontRef idx="minor">
+            <a:schemeClr val="lt1"/>
+          </a:fontRef>
+        </p:style>
+        <p:txBody>
+          <a:bodyPr rtlCol="0" anchor="ctr"/>
+          <a:lstStyle/>
+          <a:p>
+            <a:pPr algn="ctr"/>
+            <a:r>
+              <a:rPr lang="en-US" sz="1100">
+                <a:solidFill>
+                  <a:schemeClr val="tx1"/>
+                </a:solidFill>
+              </a:rPr>
+              <a:t>Json</a:t>
+            </a:r>
+          </a:p>
+        </p:txBody>
+      </p:sp>
+      <p:sp>
+        <p:nvSpPr>
+          <p:cNvPr id="28" name="Rectangle 27"/>
+          <p:cNvSpPr/>
+          <p:nvPr/>
+        </p:nvSpPr>
+        <p:spPr>
+          <a:xfrm>
+            <a:off x="3700111" y="2708849"/>
+            <a:ext cx="1371229" cy="1609882"/>
+          </a:xfrm>
+          <a:prstGeom prst="rect">
+            <a:avLst/>
+          </a:prstGeom>
+          <a:solidFill>
+            <a:srgbClr val="B1BC9B"/>
+          </a:solidFill>
+          <a:ln>
+            <a:noFill/>
+          </a:ln>
+          <a:effectLst/>
+        </p:spPr>
+        <p:style>
+          <a:lnRef idx="1">
+            <a:schemeClr val="accent1"/>
+          </a:lnRef>
+          <a:fillRef idx="3">
+            <a:schemeClr val="accent1"/>
+          </a:fillRef>
+          <a:effectRef idx="2">
+            <a:schemeClr val="accent1"/>
+          </a:effectRef>
+          <a:fontRef idx="minor">
+            <a:schemeClr val="lt1"/>
+          </a:fontRef>
+        </p:style>
+        <p:txBody>
+          <a:bodyPr rtlCol="0" anchor="t"/>
+          <a:lstStyle/>
+          <a:p>
+            <a:pPr algn="ctr"/>
+            <a:r>
+              <a:rPr lang="en-US" sz="1200">
+                <a:solidFill>
+                  <a:srgbClr val="000000"/>
+                </a:solidFill>
+              </a:rPr>
+              <a:t>Mongo</a:t>
+            </a:r>
+          </a:p>
+        </p:txBody>
+      </p:sp>
       <p:grpSp>
         <p:nvGrpSpPr>
-          <p:cNvPr id="13" name="Group 12"/>
+          <p:cNvPr id="64" name="Group 63"/>
+          <p:cNvGrpSpPr/>
+          <p:nvPr/>
+        </p:nvGrpSpPr>
+        <p:grpSpPr>
+          <a:xfrm rot="16200000">
+            <a:off x="942332" y="3256665"/>
+            <a:ext cx="881140" cy="1098880"/>
+            <a:chOff x="895740" y="3419330"/>
+            <a:chExt cx="881140" cy="1098880"/>
+          </a:xfrm>
+        </p:grpSpPr>
+        <p:sp>
+          <p:nvSpPr>
+            <p:cNvPr id="9" name="Rectangle 8"/>
+            <p:cNvSpPr/>
+            <p:nvPr/>
+          </p:nvSpPr>
+          <p:spPr>
+            <a:xfrm>
+              <a:off x="895740" y="3879086"/>
+              <a:ext cx="881140" cy="194221"/>
+            </a:xfrm>
+            <a:prstGeom prst="rect">
+              <a:avLst/>
+            </a:prstGeom>
+            <a:solidFill>
+              <a:srgbClr val="C7BBD3"/>
+            </a:solidFill>
+            <a:ln>
+              <a:noFill/>
+            </a:ln>
+            <a:effectLst/>
+          </p:spPr>
+          <p:style>
+            <a:lnRef idx="1">
+              <a:schemeClr val="accent1"/>
+            </a:lnRef>
+            <a:fillRef idx="3">
+              <a:schemeClr val="accent1"/>
+            </a:fillRef>
+            <a:effectRef idx="2">
+              <a:schemeClr val="accent1"/>
+            </a:effectRef>
+            <a:fontRef idx="minor">
+              <a:schemeClr val="lt1"/>
+            </a:fontRef>
+          </p:style>
+          <p:txBody>
+            <a:bodyPr rtlCol="0" anchor="ctr"/>
+            <a:lstStyle/>
+            <a:p>
+              <a:pPr algn="ctr"/>
+              <a:r>
+                <a:rPr lang="en-US" sz="1100">
+                  <a:solidFill>
+                    <a:schemeClr val="tx1"/>
+                  </a:solidFill>
+                </a:rPr>
+                <a:t>BPMN</a:t>
+              </a:r>
+            </a:p>
+          </p:txBody>
+        </p:sp>
+        <p:sp>
+          <p:nvSpPr>
+            <p:cNvPr id="10" name="Rectangle 9"/>
+            <p:cNvSpPr/>
+            <p:nvPr/>
+          </p:nvSpPr>
+          <p:spPr>
+            <a:xfrm>
+              <a:off x="895740" y="3648872"/>
+              <a:ext cx="881140" cy="194221"/>
+            </a:xfrm>
+            <a:prstGeom prst="rect">
+              <a:avLst/>
+            </a:prstGeom>
+            <a:solidFill>
+              <a:srgbClr val="C7BBD3"/>
+            </a:solidFill>
+            <a:ln>
+              <a:noFill/>
+            </a:ln>
+            <a:effectLst/>
+          </p:spPr>
+          <p:style>
+            <a:lnRef idx="1">
+              <a:schemeClr val="accent1"/>
+            </a:lnRef>
+            <a:fillRef idx="3">
+              <a:schemeClr val="accent1"/>
+            </a:fillRef>
+            <a:effectRef idx="2">
+              <a:schemeClr val="accent1"/>
+            </a:effectRef>
+            <a:fontRef idx="minor">
+              <a:schemeClr val="lt1"/>
+            </a:fontRef>
+          </p:style>
+          <p:txBody>
+            <a:bodyPr rtlCol="0" anchor="ctr"/>
+            <a:lstStyle/>
+            <a:p>
+              <a:pPr algn="ctr"/>
+              <a:r>
+                <a:rPr lang="en-US" sz="1100">
+                  <a:solidFill>
+                    <a:schemeClr val="tx1"/>
+                  </a:solidFill>
+                </a:rPr>
+                <a:t>Petri nets</a:t>
+              </a:r>
+            </a:p>
+          </p:txBody>
+        </p:sp>
+        <p:sp>
+          <p:nvSpPr>
+            <p:cNvPr id="11" name="Rectangle 10"/>
+            <p:cNvSpPr/>
+            <p:nvPr/>
+          </p:nvSpPr>
+          <p:spPr>
+            <a:xfrm>
+              <a:off x="895740" y="4103114"/>
+              <a:ext cx="881140" cy="194221"/>
+            </a:xfrm>
+            <a:prstGeom prst="rect">
+              <a:avLst/>
+            </a:prstGeom>
+            <a:solidFill>
+              <a:srgbClr val="C7BBD3"/>
+            </a:solidFill>
+            <a:ln>
+              <a:noFill/>
+            </a:ln>
+            <a:effectLst/>
+          </p:spPr>
+          <p:style>
+            <a:lnRef idx="1">
+              <a:schemeClr val="accent1"/>
+            </a:lnRef>
+            <a:fillRef idx="3">
+              <a:schemeClr val="accent1"/>
+            </a:fillRef>
+            <a:effectRef idx="2">
+              <a:schemeClr val="accent1"/>
+            </a:effectRef>
+            <a:fontRef idx="minor">
+              <a:schemeClr val="lt1"/>
+            </a:fontRef>
+          </p:style>
+          <p:txBody>
+            <a:bodyPr rtlCol="0" anchor="ctr"/>
+            <a:lstStyle/>
+            <a:p>
+              <a:pPr algn="ctr"/>
+              <a:r>
+                <a:rPr lang="en-US" sz="1000">
+                  <a:solidFill>
+                    <a:schemeClr val="tx1"/>
+                  </a:solidFill>
+                </a:rPr>
+                <a:t>Flow chart</a:t>
+              </a:r>
+            </a:p>
+          </p:txBody>
+        </p:sp>
+        <p:sp>
+          <p:nvSpPr>
+            <p:cNvPr id="16" name="Rectangle 15"/>
+            <p:cNvSpPr/>
+            <p:nvPr/>
+          </p:nvSpPr>
+          <p:spPr>
+            <a:xfrm>
+              <a:off x="895740" y="3419330"/>
+              <a:ext cx="881140" cy="194221"/>
+            </a:xfrm>
+            <a:prstGeom prst="rect">
+              <a:avLst/>
+            </a:prstGeom>
+            <a:solidFill>
+              <a:srgbClr val="C7BBD3"/>
+            </a:solidFill>
+            <a:ln>
+              <a:noFill/>
+            </a:ln>
+            <a:effectLst/>
+          </p:spPr>
+          <p:style>
+            <a:lnRef idx="1">
+              <a:schemeClr val="accent1"/>
+            </a:lnRef>
+            <a:fillRef idx="3">
+              <a:schemeClr val="accent1"/>
+            </a:fillRef>
+            <a:effectRef idx="2">
+              <a:schemeClr val="accent1"/>
+            </a:effectRef>
+            <a:fontRef idx="minor">
+              <a:schemeClr val="lt1"/>
+            </a:fontRef>
+          </p:style>
+          <p:txBody>
+            <a:bodyPr rtlCol="0" anchor="ctr"/>
+            <a:lstStyle/>
+            <a:p>
+              <a:pPr algn="ctr"/>
+              <a:r>
+                <a:rPr lang="en-US" sz="1100">
+                  <a:solidFill>
+                    <a:schemeClr val="tx1"/>
+                  </a:solidFill>
+                </a:rPr>
+                <a:t>Json</a:t>
+              </a:r>
+            </a:p>
+          </p:txBody>
+        </p:sp>
+        <p:sp>
+          <p:nvSpPr>
+            <p:cNvPr id="38" name="Rectangle 37"/>
+            <p:cNvSpPr/>
+            <p:nvPr/>
+          </p:nvSpPr>
+          <p:spPr>
+            <a:xfrm>
+              <a:off x="895740" y="4323989"/>
+              <a:ext cx="881140" cy="194221"/>
+            </a:xfrm>
+            <a:prstGeom prst="rect">
+              <a:avLst/>
+            </a:prstGeom>
+            <a:solidFill>
+              <a:srgbClr val="C7BBD3"/>
+            </a:solidFill>
+            <a:ln>
+              <a:noFill/>
+            </a:ln>
+            <a:effectLst/>
+          </p:spPr>
+          <p:style>
+            <a:lnRef idx="1">
+              <a:schemeClr val="accent1"/>
+            </a:lnRef>
+            <a:fillRef idx="3">
+              <a:schemeClr val="accent1"/>
+            </a:fillRef>
+            <a:effectRef idx="2">
+              <a:schemeClr val="accent1"/>
+            </a:effectRef>
+            <a:fontRef idx="minor">
+              <a:schemeClr val="lt1"/>
+            </a:fontRef>
+          </p:style>
+          <p:txBody>
+            <a:bodyPr rtlCol="0" anchor="ctr"/>
+            <a:lstStyle/>
+            <a:p>
+              <a:pPr algn="ctr"/>
+              <a:r>
+                <a:rPr lang="en-US" sz="1000">
+                  <a:solidFill>
+                    <a:schemeClr val="tx1"/>
+                  </a:solidFill>
+                </a:rPr>
+                <a:t>…</a:t>
+              </a:r>
+            </a:p>
+          </p:txBody>
+        </p:sp>
+      </p:grpSp>
+      <p:sp>
+        <p:nvSpPr>
+          <p:cNvPr id="44" name="Rectangle 43"/>
+          <p:cNvSpPr/>
+          <p:nvPr/>
+        </p:nvSpPr>
+        <p:spPr>
+          <a:xfrm>
+            <a:off x="4124947" y="3650578"/>
+            <a:ext cx="800730" cy="264272"/>
+          </a:xfrm>
+          <a:prstGeom prst="rect">
+            <a:avLst/>
+          </a:prstGeom>
+          <a:solidFill>
+            <a:schemeClr val="accent3">
+              <a:lumMod val="60000"/>
+              <a:lumOff val="40000"/>
+            </a:schemeClr>
+          </a:solidFill>
+          <a:ln>
+            <a:noFill/>
+          </a:ln>
+          <a:effectLst/>
+        </p:spPr>
+        <p:style>
+          <a:lnRef idx="1">
+            <a:schemeClr val="accent1"/>
+          </a:lnRef>
+          <a:fillRef idx="3">
+            <a:schemeClr val="accent1"/>
+          </a:fillRef>
+          <a:effectRef idx="2">
+            <a:schemeClr val="accent1"/>
+          </a:effectRef>
+          <a:fontRef idx="minor">
+            <a:schemeClr val="lt1"/>
+          </a:fontRef>
+        </p:style>
+        <p:txBody>
+          <a:bodyPr lIns="0" tIns="7200" rIns="0" bIns="7200" rtlCol="0" anchor="ctr"/>
+          <a:lstStyle/>
+          <a:p>
+            <a:pPr algn="ctr"/>
+            <a:r>
+              <a:rPr lang="en-US" sz="1100">
+                <a:solidFill>
+                  <a:schemeClr val="tx1"/>
+                </a:solidFill>
+              </a:rPr>
+              <a:t>Sharding</a:t>
+            </a:r>
+          </a:p>
+        </p:txBody>
+      </p:sp>
+      <p:sp>
+        <p:nvSpPr>
+          <p:cNvPr id="45" name="Rectangle 44"/>
+          <p:cNvSpPr/>
+          <p:nvPr/>
+        </p:nvSpPr>
+        <p:spPr>
+          <a:xfrm>
+            <a:off x="4124947" y="3934425"/>
+            <a:ext cx="800730" cy="266175"/>
+          </a:xfrm>
+          <a:prstGeom prst="rect">
+            <a:avLst/>
+          </a:prstGeom>
+          <a:solidFill>
+            <a:schemeClr val="accent3">
+              <a:lumMod val="60000"/>
+              <a:lumOff val="40000"/>
+            </a:schemeClr>
+          </a:solidFill>
+          <a:ln>
+            <a:noFill/>
+          </a:ln>
+          <a:effectLst/>
+        </p:spPr>
+        <p:style>
+          <a:lnRef idx="1">
+            <a:schemeClr val="accent1"/>
+          </a:lnRef>
+          <a:fillRef idx="3">
+            <a:schemeClr val="accent1"/>
+          </a:fillRef>
+          <a:effectRef idx="2">
+            <a:schemeClr val="accent1"/>
+          </a:effectRef>
+          <a:fontRef idx="minor">
+            <a:schemeClr val="lt1"/>
+          </a:fontRef>
+        </p:style>
+        <p:txBody>
+          <a:bodyPr lIns="0" tIns="7200" rIns="0" bIns="7200" rtlCol="0" anchor="ctr"/>
+          <a:lstStyle/>
+          <a:p>
+            <a:pPr algn="ctr"/>
+            <a:r>
+              <a:rPr lang="en-US" sz="1100">
+                <a:solidFill>
+                  <a:schemeClr val="tx1"/>
+                </a:solidFill>
+              </a:rPr>
+              <a:t>Replication</a:t>
+            </a:r>
+          </a:p>
+        </p:txBody>
+      </p:sp>
+      <p:sp>
+        <p:nvSpPr>
+          <p:cNvPr id="50" name="Rectangle 49"/>
+          <p:cNvSpPr/>
+          <p:nvPr/>
+        </p:nvSpPr>
+        <p:spPr>
+          <a:xfrm>
+            <a:off x="521474" y="1575827"/>
+            <a:ext cx="7191658" cy="562431"/>
+          </a:xfrm>
+          <a:prstGeom prst="rect">
+            <a:avLst/>
+          </a:prstGeom>
+          <a:solidFill>
+            <a:schemeClr val="bg2">
+              <a:lumMod val="90000"/>
+            </a:schemeClr>
+          </a:solidFill>
+          <a:ln>
+            <a:noFill/>
+          </a:ln>
+          <a:effectLst/>
+        </p:spPr>
+        <p:style>
+          <a:lnRef idx="1">
+            <a:schemeClr val="accent1"/>
+          </a:lnRef>
+          <a:fillRef idx="3">
+            <a:schemeClr val="accent1"/>
+          </a:fillRef>
+          <a:effectRef idx="2">
+            <a:schemeClr val="accent1"/>
+          </a:effectRef>
+          <a:fontRef idx="minor">
+            <a:schemeClr val="lt1"/>
+          </a:fontRef>
+        </p:style>
+        <p:txBody>
+          <a:bodyPr rtlCol="0" anchor="t"/>
+          <a:lstStyle/>
+          <a:p>
+            <a:pPr algn="ctr"/>
+            <a:r>
+              <a:rPr lang="en-US" sz="1400">
+                <a:solidFill>
+                  <a:schemeClr val="tx1"/>
+                </a:solidFill>
+              </a:rPr>
+              <a:t>Web Service</a:t>
+            </a:r>
+          </a:p>
+          <a:p>
+            <a:pPr algn="ctr"/>
+            <a:r>
+              <a:rPr lang="en-US" sz="1400">
+                <a:solidFill>
+                  <a:schemeClr val="tx1"/>
+                </a:solidFill>
+              </a:rPr>
+              <a:t>(REST or other)</a:t>
+            </a:r>
+          </a:p>
+        </p:txBody>
+      </p:sp>
+      <p:sp>
+        <p:nvSpPr>
+          <p:cNvPr id="52" name="Rectangle 51"/>
+          <p:cNvSpPr/>
+          <p:nvPr/>
+        </p:nvSpPr>
+        <p:spPr>
+          <a:xfrm>
+            <a:off x="529939" y="591581"/>
+            <a:ext cx="8152628" cy="723298"/>
+          </a:xfrm>
+          <a:prstGeom prst="rect">
+            <a:avLst/>
+          </a:prstGeom>
+          <a:solidFill>
+            <a:schemeClr val="bg2">
+              <a:lumMod val="90000"/>
+            </a:schemeClr>
+          </a:solidFill>
+          <a:ln>
+            <a:noFill/>
+          </a:ln>
+          <a:effectLst/>
+        </p:spPr>
+        <p:style>
+          <a:lnRef idx="1">
+            <a:schemeClr val="accent1"/>
+          </a:lnRef>
+          <a:fillRef idx="3">
+            <a:schemeClr val="accent1"/>
+          </a:fillRef>
+          <a:effectRef idx="2">
+            <a:schemeClr val="accent1"/>
+          </a:effectRef>
+          <a:fontRef idx="minor">
+            <a:schemeClr val="lt1"/>
+          </a:fontRef>
+        </p:style>
+        <p:txBody>
+          <a:bodyPr rtlCol="0" anchor="t"/>
+          <a:lstStyle/>
+          <a:p>
+            <a:pPr algn="ctr"/>
+            <a:r>
+              <a:rPr lang="en-US" sz="1400">
+                <a:solidFill>
+                  <a:schemeClr val="tx1"/>
+                </a:solidFill>
+              </a:rPr>
+              <a:t>Language drivers</a:t>
+            </a:r>
+          </a:p>
+        </p:txBody>
+      </p:sp>
+      <p:sp>
+        <p:nvSpPr>
+          <p:cNvPr id="53" name="Rectangle 52"/>
+          <p:cNvSpPr/>
+          <p:nvPr/>
+        </p:nvSpPr>
+        <p:spPr>
+          <a:xfrm>
+            <a:off x="772279" y="953193"/>
+            <a:ext cx="744967" cy="194221"/>
+          </a:xfrm>
+          <a:prstGeom prst="rect">
+            <a:avLst/>
+          </a:prstGeom>
+          <a:solidFill>
+            <a:schemeClr val="bg2"/>
+          </a:solidFill>
+          <a:ln>
+            <a:noFill/>
+          </a:ln>
+          <a:effectLst/>
+        </p:spPr>
+        <p:style>
+          <a:lnRef idx="1">
+            <a:schemeClr val="accent1"/>
+          </a:lnRef>
+          <a:fillRef idx="3">
+            <a:schemeClr val="accent1"/>
+          </a:fillRef>
+          <a:effectRef idx="2">
+            <a:schemeClr val="accent1"/>
+          </a:effectRef>
+          <a:fontRef idx="minor">
+            <a:schemeClr val="lt1"/>
+          </a:fontRef>
+        </p:style>
+        <p:txBody>
+          <a:bodyPr rtlCol="0" anchor="ctr"/>
+          <a:lstStyle/>
+          <a:p>
+            <a:pPr algn="ctr"/>
+            <a:r>
+              <a:rPr lang="en-US" sz="1100">
+                <a:solidFill>
+                  <a:srgbClr val="000000"/>
+                </a:solidFill>
+              </a:rPr>
+              <a:t>Java</a:t>
+            </a:r>
+          </a:p>
+        </p:txBody>
+      </p:sp>
+      <p:sp>
+        <p:nvSpPr>
+          <p:cNvPr id="54" name="Rectangle 53"/>
+          <p:cNvSpPr/>
+          <p:nvPr/>
+        </p:nvSpPr>
+        <p:spPr>
+          <a:xfrm>
+            <a:off x="1651447" y="953193"/>
+            <a:ext cx="881140" cy="194221"/>
+          </a:xfrm>
+          <a:prstGeom prst="rect">
+            <a:avLst/>
+          </a:prstGeom>
+          <a:solidFill>
+            <a:schemeClr val="bg2"/>
+          </a:solidFill>
+          <a:ln>
+            <a:noFill/>
+          </a:ln>
+          <a:effectLst/>
+        </p:spPr>
+        <p:style>
+          <a:lnRef idx="1">
+            <a:schemeClr val="accent1"/>
+          </a:lnRef>
+          <a:fillRef idx="3">
+            <a:schemeClr val="accent1"/>
+          </a:fillRef>
+          <a:effectRef idx="2">
+            <a:schemeClr val="accent1"/>
+          </a:effectRef>
+          <a:fontRef idx="minor">
+            <a:schemeClr val="lt1"/>
+          </a:fontRef>
+        </p:style>
+        <p:txBody>
+          <a:bodyPr rtlCol="0" anchor="ctr"/>
+          <a:lstStyle/>
+          <a:p>
+            <a:pPr algn="ctr"/>
+            <a:r>
+              <a:rPr lang="en-US" sz="1100">
+                <a:solidFill>
+                  <a:srgbClr val="000000"/>
+                </a:solidFill>
+              </a:rPr>
+              <a:t>Node.js</a:t>
+            </a:r>
+          </a:p>
+        </p:txBody>
+      </p:sp>
+      <p:sp>
+        <p:nvSpPr>
+          <p:cNvPr id="55" name="Rectangle 54"/>
+          <p:cNvSpPr/>
+          <p:nvPr/>
+        </p:nvSpPr>
+        <p:spPr>
+          <a:xfrm>
+            <a:off x="2639986" y="953193"/>
+            <a:ext cx="881140" cy="194221"/>
+          </a:xfrm>
+          <a:prstGeom prst="rect">
+            <a:avLst/>
+          </a:prstGeom>
+          <a:solidFill>
+            <a:schemeClr val="bg2"/>
+          </a:solidFill>
+          <a:ln>
+            <a:noFill/>
+          </a:ln>
+          <a:effectLst/>
+        </p:spPr>
+        <p:style>
+          <a:lnRef idx="1">
+            <a:schemeClr val="accent1"/>
+          </a:lnRef>
+          <a:fillRef idx="3">
+            <a:schemeClr val="accent1"/>
+          </a:fillRef>
+          <a:effectRef idx="2">
+            <a:schemeClr val="accent1"/>
+          </a:effectRef>
+          <a:fontRef idx="minor">
+            <a:schemeClr val="lt1"/>
+          </a:fontRef>
+        </p:style>
+        <p:txBody>
+          <a:bodyPr rtlCol="0" anchor="ctr"/>
+          <a:lstStyle/>
+          <a:p>
+            <a:pPr algn="ctr"/>
+            <a:r>
+              <a:rPr lang="en-US" sz="1100">
+                <a:solidFill>
+                  <a:srgbClr val="000000"/>
+                </a:solidFill>
+              </a:rPr>
+              <a:t>Scala</a:t>
+            </a:r>
+          </a:p>
+        </p:txBody>
+      </p:sp>
+      <p:sp>
+        <p:nvSpPr>
+          <p:cNvPr id="56" name="Rectangle 55"/>
+          <p:cNvSpPr/>
+          <p:nvPr/>
+        </p:nvSpPr>
+        <p:spPr>
+          <a:xfrm>
+            <a:off x="3635669" y="953193"/>
+            <a:ext cx="881140" cy="194221"/>
+          </a:xfrm>
+          <a:prstGeom prst="rect">
+            <a:avLst/>
+          </a:prstGeom>
+          <a:solidFill>
+            <a:schemeClr val="bg2"/>
+          </a:solidFill>
+          <a:ln>
+            <a:noFill/>
+          </a:ln>
+          <a:effectLst/>
+        </p:spPr>
+        <p:style>
+          <a:lnRef idx="1">
+            <a:schemeClr val="accent1"/>
+          </a:lnRef>
+          <a:fillRef idx="3">
+            <a:schemeClr val="accent1"/>
+          </a:fillRef>
+          <a:effectRef idx="2">
+            <a:schemeClr val="accent1"/>
+          </a:effectRef>
+          <a:fontRef idx="minor">
+            <a:schemeClr val="lt1"/>
+          </a:fontRef>
+        </p:style>
+        <p:txBody>
+          <a:bodyPr rtlCol="0" anchor="ctr"/>
+          <a:lstStyle/>
+          <a:p>
+            <a:pPr algn="ctr"/>
+            <a:r>
+              <a:rPr lang="en-US" sz="1100">
+                <a:solidFill>
+                  <a:srgbClr val="000000"/>
+                </a:solidFill>
+              </a:rPr>
+              <a:t>…</a:t>
+            </a:r>
+          </a:p>
+        </p:txBody>
+      </p:sp>
+      <p:grpSp>
+        <p:nvGrpSpPr>
+          <p:cNvPr id="63" name="Group 62"/>
           <p:cNvGrpSpPr/>
           <p:nvPr/>
         </p:nvGrpSpPr>
         <p:grpSpPr>
           <a:xfrm>
-            <a:off x="491843" y="4448629"/>
-            <a:ext cx="8152629" cy="2040464"/>
-            <a:chOff x="517238" y="3708398"/>
-            <a:chExt cx="4538133" cy="2802468"/>
+            <a:off x="513009" y="4539758"/>
+            <a:ext cx="8152629" cy="1747759"/>
+            <a:chOff x="491843" y="4448629"/>
+            <a:chExt cx="8152629" cy="2040464"/>
           </a:xfrm>
         </p:grpSpPr>
         <p:sp>
@@ -3093,8 +4162,8 @@
           </p:nvSpPr>
           <p:spPr>
             <a:xfrm>
-              <a:off x="517238" y="3708398"/>
-              <a:ext cx="4538133" cy="2802468"/>
+              <a:off x="491843" y="4448629"/>
+              <a:ext cx="8152629" cy="2040464"/>
             </a:xfrm>
             <a:prstGeom prst="rect">
               <a:avLst/>
@@ -3129,10 +4198,7 @@
               <a:r>
                 <a:rPr lang="en-US" sz="1400">
                   <a:solidFill>
-                    <a:schemeClr val="tx1">
-                      <a:lumMod val="50000"/>
-                      <a:lumOff val="50000"/>
-                    </a:schemeClr>
+                    <a:schemeClr val="tx1"/>
                   </a:solidFill>
                 </a:rPr>
                 <a:t>Engine</a:t>
@@ -3148,8 +4214,8 @@
           </p:nvSpPr>
           <p:spPr>
             <a:xfrm>
-              <a:off x="838205" y="4267197"/>
-              <a:ext cx="1847272" cy="863602"/>
+              <a:off x="769220" y="5632224"/>
+              <a:ext cx="2381974" cy="628785"/>
             </a:xfrm>
             <a:prstGeom prst="rect">
               <a:avLst/>
@@ -3184,10 +4250,7 @@
               <a:r>
                 <a:rPr lang="en-US" sz="1400">
                   <a:solidFill>
-                    <a:schemeClr val="tx1">
-                      <a:lumMod val="50000"/>
-                      <a:lumOff val="50000"/>
-                    </a:schemeClr>
+                    <a:schemeClr val="tx1"/>
                   </a:solidFill>
                 </a:rPr>
                 <a:t>Workflow</a:t>
@@ -3198,10 +4261,7 @@
               <a:r>
                 <a:rPr lang="en-US" sz="1400">
                   <a:solidFill>
-                    <a:schemeClr val="tx1">
-                      <a:lumMod val="50000"/>
-                      <a:lumOff val="50000"/>
-                    </a:schemeClr>
+                    <a:schemeClr val="tx1"/>
                   </a:solidFill>
                 </a:rPr>
                 <a:t>(definitions)</a:t>
@@ -3217,8 +4277,8 @@
           </p:nvSpPr>
           <p:spPr>
             <a:xfrm>
-              <a:off x="2878664" y="4267197"/>
-              <a:ext cx="1847272" cy="863602"/>
+              <a:off x="3275856" y="5632224"/>
+              <a:ext cx="2592288" cy="628785"/>
             </a:xfrm>
             <a:prstGeom prst="rect">
               <a:avLst/>
@@ -3253,10 +4313,7 @@
               <a:r>
                 <a:rPr lang="en-US" sz="1400">
                   <a:solidFill>
-                    <a:schemeClr val="tx1">
-                      <a:lumMod val="50000"/>
-                      <a:lumOff val="50000"/>
-                    </a:schemeClr>
+                    <a:schemeClr val="tx1"/>
                   </a:solidFill>
                 </a:rPr>
                 <a:t>Workflow </a:t>
@@ -3267,10 +4324,7 @@
               <a:r>
                 <a:rPr lang="en-US" sz="1400">
                   <a:solidFill>
-                    <a:schemeClr val="tx1">
-                      <a:lumMod val="50000"/>
-                      <a:lumOff val="50000"/>
-                    </a:schemeClr>
+                    <a:schemeClr val="tx1"/>
                   </a:solidFill>
                 </a:rPr>
                 <a:t>instances</a:t>
@@ -3286,8 +4340,8 @@
           </p:nvSpPr>
           <p:spPr>
             <a:xfrm>
-              <a:off x="838205" y="5334003"/>
-              <a:ext cx="1847272" cy="863602"/>
+              <a:off x="6012160" y="5632224"/>
+              <a:ext cx="2319854" cy="628785"/>
             </a:xfrm>
             <a:prstGeom prst="rect">
               <a:avLst/>
@@ -3322,10 +4376,7 @@
               <a:r>
                 <a:rPr lang="en-US" sz="1400">
                   <a:solidFill>
-                    <a:schemeClr val="tx1">
-                      <a:lumMod val="50000"/>
-                      <a:lumOff val="50000"/>
-                    </a:schemeClr>
+                    <a:schemeClr val="tx1"/>
                   </a:solidFill>
                 </a:rPr>
                 <a:t>Types</a:t>
@@ -3341,8 +4392,8 @@
           </p:nvSpPr>
           <p:spPr>
             <a:xfrm>
-              <a:off x="2878664" y="5334003"/>
-              <a:ext cx="1847272" cy="863602"/>
+              <a:off x="6012160" y="4855488"/>
+              <a:ext cx="2319854" cy="628785"/>
             </a:xfrm>
             <a:prstGeom prst="rect">
               <a:avLst/>
@@ -3377,13 +4428,10 @@
               <a:r>
                 <a:rPr lang="en-US" sz="1400">
                   <a:solidFill>
-                    <a:schemeClr val="tx1">
-                      <a:lumMod val="50000"/>
-                      <a:lumOff val="50000"/>
-                    </a:schemeClr>
+                    <a:schemeClr val="tx1"/>
                   </a:solidFill>
                 </a:rPr>
-                <a:t>Expressions &amp; </a:t>
+                <a:t>Expressions, Conversions &amp; </a:t>
               </a:r>
             </a:p>
             <a:p>
@@ -3391,10 +4439,7 @@
               <a:r>
                 <a:rPr lang="en-US" sz="1400">
                   <a:solidFill>
-                    <a:schemeClr val="tx1">
-                      <a:lumMod val="50000"/>
-                      <a:lumOff val="50000"/>
-                    </a:schemeClr>
+                    <a:schemeClr val="tx1"/>
                   </a:solidFill>
                 </a:rPr>
                 <a:t>Context scopes</a:t>
@@ -3402,159 +4447,22 @@
             </a:p>
           </p:txBody>
         </p:sp>
-      </p:grpSp>
-      <p:grpSp>
-        <p:nvGrpSpPr>
-          <p:cNvPr id="51" name="Group 50"/>
-          <p:cNvGrpSpPr/>
-          <p:nvPr/>
-        </p:nvGrpSpPr>
-        <p:grpSpPr>
-          <a:xfrm>
-            <a:off x="508773" y="1807030"/>
-            <a:ext cx="8144163" cy="2507266"/>
-            <a:chOff x="517237" y="1312333"/>
-            <a:chExt cx="6838762" cy="2507266"/>
-          </a:xfrm>
-        </p:grpSpPr>
         <p:sp>
           <p:nvSpPr>
-            <p:cNvPr id="14" name="Rectangle 13"/>
+            <p:cNvPr id="57" name="Rectangle 56"/>
             <p:cNvSpPr/>
             <p:nvPr/>
           </p:nvSpPr>
           <p:spPr>
             <a:xfrm>
-              <a:off x="517237" y="1312333"/>
-              <a:ext cx="2518483" cy="2507266"/>
+              <a:off x="763528" y="4855488"/>
+              <a:ext cx="5104616" cy="628785"/>
             </a:xfrm>
             <a:prstGeom prst="rect">
               <a:avLst/>
             </a:prstGeom>
             <a:solidFill>
-              <a:srgbClr val="E7D9F5"/>
-            </a:solidFill>
-            <a:ln>
-              <a:noFill/>
-            </a:ln>
-            <a:effectLst/>
-          </p:spPr>
-          <p:style>
-            <a:lnRef idx="1">
-              <a:schemeClr val="accent1"/>
-            </a:lnRef>
-            <a:fillRef idx="3">
-              <a:schemeClr val="accent1"/>
-            </a:fillRef>
-            <a:effectRef idx="2">
-              <a:schemeClr val="accent1"/>
-            </a:effectRef>
-            <a:fontRef idx="minor">
-              <a:schemeClr val="lt1"/>
-            </a:fontRef>
-          </p:style>
-          <p:txBody>
-            <a:bodyPr rtlCol="0" anchor="t"/>
-            <a:lstStyle/>
-            <a:p>
-              <a:pPr algn="ctr"/>
-              <a:r>
-                <a:rPr lang="en-US" sz="1400">
-                  <a:solidFill>
-                    <a:schemeClr val="tx1">
-                      <a:lumMod val="50000"/>
-                      <a:lumOff val="50000"/>
-                    </a:schemeClr>
-                  </a:solidFill>
-                </a:rPr>
-                <a:t>Serialization</a:t>
-              </a:r>
-            </a:p>
-          </p:txBody>
-        </p:sp>
-        <p:sp>
-          <p:nvSpPr>
-            <p:cNvPr id="15" name="Rectangle 14"/>
-            <p:cNvSpPr/>
-            <p:nvPr/>
-          </p:nvSpPr>
-          <p:spPr>
-            <a:xfrm>
-              <a:off x="720733" y="1804863"/>
-              <a:ext cx="1007626" cy="1888350"/>
-            </a:xfrm>
-            <a:prstGeom prst="rect">
-              <a:avLst/>
-            </a:prstGeom>
-            <a:solidFill>
-              <a:srgbClr val="A298AC"/>
-            </a:solidFill>
-            <a:ln>
-              <a:noFill/>
-            </a:ln>
-            <a:effectLst/>
-          </p:spPr>
-          <p:style>
-            <a:lnRef idx="1">
-              <a:schemeClr val="accent1"/>
-            </a:lnRef>
-            <a:fillRef idx="3">
-              <a:schemeClr val="accent1"/>
-            </a:fillRef>
-            <a:effectRef idx="2">
-              <a:schemeClr val="accent1"/>
-            </a:effectRef>
-            <a:fontRef idx="minor">
-              <a:schemeClr val="lt1"/>
-            </a:fontRef>
-          </p:style>
-          <p:txBody>
-            <a:bodyPr rtlCol="0" anchor="t"/>
-            <a:lstStyle/>
-            <a:p>
-              <a:pPr algn="ctr"/>
-              <a:r>
-                <a:rPr lang="en-US" sz="1200">
-                  <a:solidFill>
-                    <a:schemeClr val="bg1">
-                      <a:lumMod val="95000"/>
-                    </a:schemeClr>
-                  </a:solidFill>
-                </a:rPr>
-                <a:t>Workflow </a:t>
-              </a:r>
-            </a:p>
-            <a:p>
-              <a:pPr algn="ctr"/>
-              <a:r>
-                <a:rPr lang="en-US" sz="1200">
-                  <a:solidFill>
-                    <a:schemeClr val="bg1">
-                      <a:lumMod val="95000"/>
-                    </a:schemeClr>
-                  </a:solidFill>
-                </a:rPr>
-                <a:t>serialization</a:t>
-              </a:r>
-            </a:p>
-          </p:txBody>
-        </p:sp>
-        <p:sp>
-          <p:nvSpPr>
-            <p:cNvPr id="9" name="Rectangle 8"/>
-            <p:cNvSpPr/>
-            <p:nvPr/>
-          </p:nvSpPr>
-          <p:spPr>
-            <a:xfrm>
-              <a:off x="856395" y="2882663"/>
-              <a:ext cx="739905" cy="194221"/>
-            </a:xfrm>
-            <a:prstGeom prst="rect">
-              <a:avLst/>
-            </a:prstGeom>
-            <a:solidFill>
-              <a:srgbClr val="C7BBD3"/>
+              <a:srgbClr val="A4C2D7"/>
             </a:solidFill>
             <a:ln>
               <a:noFill/>
@@ -3581,202 +4489,377 @@
             <a:p>
               <a:pPr algn="ctr"/>
               <a:r>
-                <a:rPr lang="en-US" sz="1100">
+                <a:rPr lang="en-US" sz="1400">
                   <a:solidFill>
-                    <a:schemeClr val="tx1">
-                      <a:lumMod val="50000"/>
-                      <a:lumOff val="50000"/>
-                    </a:schemeClr>
+                    <a:schemeClr val="tx1"/>
                   </a:solidFill>
                 </a:rPr>
-                <a:t>BPMN</a:t>
+                <a:t>Workflow</a:t>
+              </a:r>
+            </a:p>
+            <a:p>
+              <a:pPr algn="ctr"/>
+              <a:r>
+                <a:rPr lang="en-US" sz="1400">
+                  <a:solidFill>
+                    <a:schemeClr val="tx1"/>
+                  </a:solidFill>
+                </a:rPr>
+                <a:t>execution listener</a:t>
               </a:r>
             </a:p>
           </p:txBody>
         </p:sp>
+      </p:grpSp>
+      <p:sp>
+        <p:nvSpPr>
+          <p:cNvPr id="61" name="Rectangle 60"/>
+          <p:cNvSpPr/>
+          <p:nvPr/>
+        </p:nvSpPr>
+        <p:spPr>
+          <a:xfrm>
+            <a:off x="727781" y="1758899"/>
+            <a:ext cx="1087195" cy="258509"/>
+          </a:xfrm>
+          <a:prstGeom prst="rect">
+            <a:avLst/>
+          </a:prstGeom>
+          <a:solidFill>
+            <a:schemeClr val="bg2"/>
+          </a:solidFill>
+          <a:ln>
+            <a:noFill/>
+          </a:ln>
+          <a:effectLst/>
+        </p:spPr>
+        <p:style>
+          <a:lnRef idx="1">
+            <a:schemeClr val="accent1"/>
+          </a:lnRef>
+          <a:fillRef idx="3">
+            <a:schemeClr val="accent1"/>
+          </a:fillRef>
+          <a:effectRef idx="2">
+            <a:schemeClr val="accent1"/>
+          </a:effectRef>
+          <a:fontRef idx="minor">
+            <a:schemeClr val="lt1"/>
+          </a:fontRef>
+        </p:style>
+        <p:txBody>
+          <a:bodyPr rtlCol="0" anchor="ctr"/>
+          <a:lstStyle/>
+          <a:p>
+            <a:pPr algn="ctr"/>
+            <a:r>
+              <a:rPr lang="en-US" sz="1100">
+                <a:solidFill>
+                  <a:srgbClr val="000000"/>
+                </a:solidFill>
+              </a:rPr>
+              <a:t>Query language</a:t>
+            </a:r>
+          </a:p>
+        </p:txBody>
+      </p:sp>
+      <p:sp>
+        <p:nvSpPr>
+          <p:cNvPr id="47" name="Rectangle 46"/>
+          <p:cNvSpPr/>
+          <p:nvPr/>
+        </p:nvSpPr>
+        <p:spPr>
+          <a:xfrm>
+            <a:off x="7791697" y="1575827"/>
+            <a:ext cx="873941" cy="562431"/>
+          </a:xfrm>
+          <a:prstGeom prst="rect">
+            <a:avLst/>
+          </a:prstGeom>
+          <a:solidFill>
+            <a:srgbClr val="B7D9F1"/>
+          </a:solidFill>
+          <a:ln>
+            <a:noFill/>
+          </a:ln>
+          <a:effectLst/>
+        </p:spPr>
+        <p:style>
+          <a:lnRef idx="1">
+            <a:schemeClr val="accent1"/>
+          </a:lnRef>
+          <a:fillRef idx="3">
+            <a:schemeClr val="accent1"/>
+          </a:fillRef>
+          <a:effectRef idx="2">
+            <a:schemeClr val="accent1"/>
+          </a:effectRef>
+          <a:fontRef idx="minor">
+            <a:schemeClr val="lt1"/>
+          </a:fontRef>
+        </p:style>
+        <p:txBody>
+          <a:bodyPr rot="0" spcFirstLastPara="0" vertOverflow="overflow" horzOverflow="overflow" vert="horz" wrap="square" lIns="91440" tIns="45720" rIns="91440" bIns="45720" numCol="1" spcCol="0" rtlCol="0" fromWordArt="0" anchor="ctr" anchorCtr="0" forceAA="0" compatLnSpc="1">
+            <a:prstTxWarp prst="textNoShape">
+              <a:avLst/>
+            </a:prstTxWarp>
+            <a:noAutofit/>
+          </a:bodyPr>
+          <a:lstStyle/>
+          <a:p>
+            <a:pPr algn="ctr"/>
+            <a:r>
+              <a:rPr lang="en-US" sz="1400">
+                <a:solidFill>
+                  <a:schemeClr val="tx1"/>
+                </a:solidFill>
+              </a:rPr>
+              <a:t>Timers</a:t>
+            </a:r>
+          </a:p>
+        </p:txBody>
+      </p:sp>
+      <p:sp>
+        <p:nvSpPr>
+          <p:cNvPr id="33" name="Rectangle 32"/>
+          <p:cNvSpPr/>
+          <p:nvPr/>
+        </p:nvSpPr>
+        <p:spPr>
+          <a:xfrm rot="16200000">
+            <a:off x="4544968" y="3309681"/>
+            <a:ext cx="1609881" cy="408219"/>
+          </a:xfrm>
+          <a:prstGeom prst="rect">
+            <a:avLst/>
+          </a:prstGeom>
+          <a:solidFill>
+            <a:srgbClr val="B1BC9B"/>
+          </a:solidFill>
+          <a:ln>
+            <a:noFill/>
+          </a:ln>
+          <a:effectLst/>
+        </p:spPr>
+        <p:style>
+          <a:lnRef idx="1">
+            <a:schemeClr val="accent1"/>
+          </a:lnRef>
+          <a:fillRef idx="3">
+            <a:schemeClr val="accent1"/>
+          </a:fillRef>
+          <a:effectRef idx="2">
+            <a:schemeClr val="accent1"/>
+          </a:effectRef>
+          <a:fontRef idx="minor">
+            <a:schemeClr val="lt1"/>
+          </a:fontRef>
+        </p:style>
+        <p:txBody>
+          <a:bodyPr rtlCol="0" anchor="ctr"/>
+          <a:lstStyle/>
+          <a:p>
+            <a:pPr algn="ctr"/>
+            <a:r>
+              <a:rPr lang="en-US" sz="1200">
+                <a:solidFill>
+                  <a:srgbClr val="000000"/>
+                </a:solidFill>
+              </a:rPr>
+              <a:t>Jdbc</a:t>
+            </a:r>
+          </a:p>
+        </p:txBody>
+      </p:sp>
+      <p:sp>
+        <p:nvSpPr>
+          <p:cNvPr id="34" name="Rectangle 33"/>
+          <p:cNvSpPr/>
+          <p:nvPr/>
+        </p:nvSpPr>
+        <p:spPr>
+          <a:xfrm rot="16200000">
+            <a:off x="4989575" y="3334885"/>
+            <a:ext cx="1609881" cy="357813"/>
+          </a:xfrm>
+          <a:prstGeom prst="rect">
+            <a:avLst/>
+          </a:prstGeom>
+          <a:solidFill>
+            <a:srgbClr val="B1BC9B"/>
+          </a:solidFill>
+          <a:ln>
+            <a:noFill/>
+          </a:ln>
+          <a:effectLst/>
+        </p:spPr>
+        <p:style>
+          <a:lnRef idx="1">
+            <a:schemeClr val="accent1"/>
+          </a:lnRef>
+          <a:fillRef idx="3">
+            <a:schemeClr val="accent1"/>
+          </a:fillRef>
+          <a:effectRef idx="2">
+            <a:schemeClr val="accent1"/>
+          </a:effectRef>
+          <a:fontRef idx="minor">
+            <a:schemeClr val="lt1"/>
+          </a:fontRef>
+        </p:style>
+        <p:txBody>
+          <a:bodyPr rtlCol="0" anchor="ctr"/>
+          <a:lstStyle/>
+          <a:p>
+            <a:pPr algn="ctr"/>
+            <a:r>
+              <a:rPr lang="en-US" sz="1200">
+                <a:solidFill>
+                  <a:srgbClr val="000000"/>
+                </a:solidFill>
+              </a:rPr>
+              <a:t>File</a:t>
+            </a:r>
+          </a:p>
+        </p:txBody>
+      </p:sp>
+      <p:sp>
+        <p:nvSpPr>
+          <p:cNvPr id="35" name="Rectangle 34"/>
+          <p:cNvSpPr/>
+          <p:nvPr/>
+        </p:nvSpPr>
+        <p:spPr>
+          <a:xfrm rot="16200000">
+            <a:off x="5842974" y="3343365"/>
+            <a:ext cx="1609881" cy="340855"/>
+          </a:xfrm>
+          <a:prstGeom prst="rect">
+            <a:avLst/>
+          </a:prstGeom>
+          <a:solidFill>
+            <a:srgbClr val="B1BC9B"/>
+          </a:solidFill>
+          <a:ln>
+            <a:noFill/>
+          </a:ln>
+          <a:effectLst/>
+        </p:spPr>
+        <p:style>
+          <a:lnRef idx="1">
+            <a:schemeClr val="accent1"/>
+          </a:lnRef>
+          <a:fillRef idx="3">
+            <a:schemeClr val="accent1"/>
+          </a:fillRef>
+          <a:effectRef idx="2">
+            <a:schemeClr val="accent1"/>
+          </a:effectRef>
+          <a:fontRef idx="minor">
+            <a:schemeClr val="lt1"/>
+          </a:fontRef>
+        </p:style>
+        <p:txBody>
+          <a:bodyPr rtlCol="0" anchor="ctr"/>
+          <a:lstStyle/>
+          <a:p>
+            <a:pPr algn="ctr"/>
+            <a:r>
+              <a:rPr lang="en-US" sz="1200">
+                <a:solidFill>
+                  <a:srgbClr val="000000"/>
+                </a:solidFill>
+              </a:rPr>
+              <a:t>Cassandra</a:t>
+            </a:r>
+          </a:p>
+        </p:txBody>
+      </p:sp>
+      <p:sp>
+        <p:nvSpPr>
+          <p:cNvPr id="65" name="Rectangle 64"/>
+          <p:cNvSpPr/>
+          <p:nvPr/>
+        </p:nvSpPr>
+        <p:spPr>
+          <a:xfrm rot="16200000">
+            <a:off x="5419563" y="3334884"/>
+            <a:ext cx="1609881" cy="357813"/>
+          </a:xfrm>
+          <a:prstGeom prst="rect">
+            <a:avLst/>
+          </a:prstGeom>
+          <a:solidFill>
+            <a:srgbClr val="B1BC9B"/>
+          </a:solidFill>
+          <a:ln>
+            <a:noFill/>
+          </a:ln>
+          <a:effectLst/>
+        </p:spPr>
+        <p:style>
+          <a:lnRef idx="1">
+            <a:schemeClr val="accent1"/>
+          </a:lnRef>
+          <a:fillRef idx="3">
+            <a:schemeClr val="accent1"/>
+          </a:fillRef>
+          <a:effectRef idx="2">
+            <a:schemeClr val="accent1"/>
+          </a:effectRef>
+          <a:fontRef idx="minor">
+            <a:schemeClr val="lt1"/>
+          </a:fontRef>
+        </p:style>
+        <p:txBody>
+          <a:bodyPr rtlCol="0" anchor="ctr"/>
+          <a:lstStyle/>
+          <a:p>
+            <a:pPr algn="ctr"/>
+            <a:r>
+              <a:rPr lang="en-US" sz="1200">
+                <a:solidFill>
+                  <a:srgbClr val="000000"/>
+                </a:solidFill>
+              </a:rPr>
+              <a:t>Hadoop</a:t>
+            </a:r>
+          </a:p>
+        </p:txBody>
+      </p:sp>
+      <p:grpSp>
+        <p:nvGrpSpPr>
+          <p:cNvPr id="69" name="Group 68"/>
+          <p:cNvGrpSpPr/>
+          <p:nvPr/>
+        </p:nvGrpSpPr>
+        <p:grpSpPr>
+          <a:xfrm>
+            <a:off x="4709246" y="988264"/>
+            <a:ext cx="2882823" cy="1541270"/>
+            <a:chOff x="5797734" y="1335448"/>
+            <a:chExt cx="3919790" cy="1541270"/>
+          </a:xfrm>
+        </p:grpSpPr>
         <p:sp>
           <p:nvSpPr>
-            <p:cNvPr id="10" name="Rectangle 9"/>
+            <p:cNvPr id="59" name="Rectangle 58"/>
             <p:cNvSpPr/>
             <p:nvPr/>
           </p:nvSpPr>
           <p:spPr>
             <a:xfrm>
-              <a:off x="856395" y="2652449"/>
-              <a:ext cx="739905" cy="194221"/>
-            </a:xfrm>
-            <a:prstGeom prst="rect">
-              <a:avLst/>
-            </a:prstGeom>
-            <a:solidFill>
-              <a:srgbClr val="C7BBD3"/>
-            </a:solidFill>
-            <a:ln>
-              <a:noFill/>
-            </a:ln>
-            <a:effectLst/>
-          </p:spPr>
-          <p:style>
-            <a:lnRef idx="1">
-              <a:schemeClr val="accent1"/>
-            </a:lnRef>
-            <a:fillRef idx="3">
-              <a:schemeClr val="accent1"/>
-            </a:fillRef>
-            <a:effectRef idx="2">
-              <a:schemeClr val="accent1"/>
-            </a:effectRef>
-            <a:fontRef idx="minor">
-              <a:schemeClr val="lt1"/>
-            </a:fontRef>
-          </p:style>
-          <p:txBody>
-            <a:bodyPr rtlCol="0" anchor="ctr"/>
-            <a:lstStyle/>
-            <a:p>
-              <a:pPr algn="ctr"/>
-              <a:r>
-                <a:rPr lang="en-US" sz="1100">
-                  <a:solidFill>
-                    <a:schemeClr val="tx1">
-                      <a:lumMod val="50000"/>
-                      <a:lumOff val="50000"/>
-                    </a:schemeClr>
-                  </a:solidFill>
-                </a:rPr>
-                <a:t>Petri nets</a:t>
-              </a:r>
-            </a:p>
-          </p:txBody>
-        </p:sp>
-        <p:sp>
-          <p:nvSpPr>
-            <p:cNvPr id="11" name="Rectangle 10"/>
-            <p:cNvSpPr/>
-            <p:nvPr/>
-          </p:nvSpPr>
-          <p:spPr>
-            <a:xfrm>
-              <a:off x="856395" y="3106691"/>
-              <a:ext cx="739905" cy="194221"/>
-            </a:xfrm>
-            <a:prstGeom prst="rect">
-              <a:avLst/>
-            </a:prstGeom>
-            <a:solidFill>
-              <a:srgbClr val="C7BBD3"/>
-            </a:solidFill>
-            <a:ln>
-              <a:noFill/>
-            </a:ln>
-            <a:effectLst/>
-          </p:spPr>
-          <p:style>
-            <a:lnRef idx="1">
-              <a:schemeClr val="accent1"/>
-            </a:lnRef>
-            <a:fillRef idx="3">
-              <a:schemeClr val="accent1"/>
-            </a:fillRef>
-            <a:effectRef idx="2">
-              <a:schemeClr val="accent1"/>
-            </a:effectRef>
-            <a:fontRef idx="minor">
-              <a:schemeClr val="lt1"/>
-            </a:fontRef>
-          </p:style>
-          <p:txBody>
-            <a:bodyPr rtlCol="0" anchor="ctr"/>
-            <a:lstStyle/>
-            <a:p>
-              <a:pPr algn="ctr"/>
-              <a:r>
-                <a:rPr lang="en-US" sz="1000">
-                  <a:solidFill>
-                    <a:schemeClr val="tx1">
-                      <a:lumMod val="50000"/>
-                      <a:lumOff val="50000"/>
-                    </a:schemeClr>
-                  </a:solidFill>
-                </a:rPr>
-                <a:t>Flow chart</a:t>
-              </a:r>
-            </a:p>
-          </p:txBody>
-        </p:sp>
-        <p:sp>
-          <p:nvSpPr>
-            <p:cNvPr id="16" name="Rectangle 15"/>
-            <p:cNvSpPr/>
-            <p:nvPr/>
-          </p:nvSpPr>
-          <p:spPr>
-            <a:xfrm>
-              <a:off x="856395" y="2422907"/>
-              <a:ext cx="739905" cy="194221"/>
-            </a:xfrm>
-            <a:prstGeom prst="rect">
-              <a:avLst/>
-            </a:prstGeom>
-            <a:solidFill>
-              <a:srgbClr val="C7BBD3"/>
-            </a:solidFill>
-            <a:ln>
-              <a:noFill/>
-            </a:ln>
-            <a:effectLst/>
-          </p:spPr>
-          <p:style>
-            <a:lnRef idx="1">
-              <a:schemeClr val="accent1"/>
-            </a:lnRef>
-            <a:fillRef idx="3">
-              <a:schemeClr val="accent1"/>
-            </a:fillRef>
-            <a:effectRef idx="2">
-              <a:schemeClr val="accent1"/>
-            </a:effectRef>
-            <a:fontRef idx="minor">
-              <a:schemeClr val="lt1"/>
-            </a:fontRef>
-          </p:style>
-          <p:txBody>
-            <a:bodyPr rtlCol="0" anchor="ctr"/>
-            <a:lstStyle/>
-            <a:p>
-              <a:pPr algn="ctr"/>
-              <a:r>
-                <a:rPr lang="en-US" sz="1100">
-                  <a:solidFill>
-                    <a:schemeClr val="tx1">
-                      <a:lumMod val="50000"/>
-                      <a:lumOff val="50000"/>
-                    </a:schemeClr>
-                  </a:solidFill>
-                </a:rPr>
-                <a:t>Json</a:t>
-              </a:r>
-            </a:p>
-          </p:txBody>
-        </p:sp>
-        <p:sp>
-          <p:nvSpPr>
-            <p:cNvPr id="22" name="Rectangle 21"/>
-            <p:cNvSpPr/>
-            <p:nvPr/>
-          </p:nvSpPr>
-          <p:spPr>
-            <a:xfrm>
-              <a:off x="3208038" y="1312333"/>
-              <a:ext cx="4147961" cy="2507265"/>
+              <a:off x="7766495" y="1335448"/>
+              <a:ext cx="576542" cy="1541270"/>
             </a:xfrm>
             <a:prstGeom prst="rect">
               <a:avLst/>
             </a:prstGeom>
             <a:solidFill>
               <a:schemeClr val="accent3">
-                <a:lumMod val="20000"/>
-                <a:lumOff val="80000"/>
+                <a:lumMod val="60000"/>
+                <a:lumOff val="40000"/>
               </a:schemeClr>
             </a:solidFill>
             <a:ln>
@@ -3799,40 +4882,40 @@
             </a:fontRef>
           </p:style>
           <p:txBody>
-            <a:bodyPr rtlCol="0" anchor="t"/>
+            <a:bodyPr vert="vert270" lIns="0" tIns="7200" rIns="0" bIns="7200" rtlCol="0" anchor="ctr"/>
             <a:lstStyle/>
             <a:p>
               <a:pPr algn="ctr"/>
               <a:r>
-                <a:rPr lang="en-US" sz="1400">
+                <a:rPr lang="en-US" sz="1100">
                   <a:solidFill>
-                    <a:schemeClr val="tx1">
-                      <a:lumMod val="50000"/>
-                      <a:lumOff val="50000"/>
-                    </a:schemeClr>
+                    <a:schemeClr val="tx1"/>
                   </a:solidFill>
                 </a:rPr>
-                <a:t>Persistence</a:t>
+                <a:t>Failover</a:t>
               </a:r>
             </a:p>
           </p:txBody>
         </p:sp>
         <p:sp>
           <p:nvSpPr>
-            <p:cNvPr id="23" name="Rectangle 22"/>
+            <p:cNvPr id="60" name="Rectangle 59"/>
             <p:cNvSpPr/>
             <p:nvPr/>
           </p:nvSpPr>
           <p:spPr>
             <a:xfrm>
-              <a:off x="1843151" y="1804863"/>
-              <a:ext cx="1007626" cy="1888350"/>
+              <a:off x="7115782" y="1335448"/>
+              <a:ext cx="576542" cy="1541270"/>
             </a:xfrm>
             <a:prstGeom prst="rect">
               <a:avLst/>
             </a:prstGeom>
             <a:solidFill>
-              <a:srgbClr val="A298AC"/>
+              <a:schemeClr val="accent3">
+                <a:lumMod val="60000"/>
+                <a:lumOff val="40000"/>
+              </a:schemeClr>
             </a:solidFill>
             <a:ln>
               <a:noFill/>
@@ -3854,65 +4937,40 @@
             </a:fontRef>
           </p:style>
           <p:txBody>
-            <a:bodyPr rtlCol="0" anchor="t"/>
+            <a:bodyPr vert="vert270" lIns="0" tIns="7200" rIns="0" bIns="7200" rtlCol="0" anchor="ctr"/>
             <a:lstStyle/>
             <a:p>
               <a:pPr algn="ctr"/>
               <a:r>
-                <a:rPr lang="en-US" sz="1200">
+                <a:rPr lang="en-US" sz="1100">
                   <a:solidFill>
-                    <a:schemeClr val="bg1">
-                      <a:lumMod val="95000"/>
-                    </a:schemeClr>
+                    <a:schemeClr val="tx1"/>
                   </a:solidFill>
                 </a:rPr>
-                <a:t>Workflow </a:t>
-              </a:r>
-            </a:p>
-            <a:p>
-              <a:pPr algn="ctr"/>
-              <a:r>
-                <a:rPr lang="en-US" sz="1200">
-                  <a:solidFill>
-                    <a:schemeClr val="bg1">
-                      <a:lumMod val="95000"/>
-                    </a:schemeClr>
-                  </a:solidFill>
-                </a:rPr>
-                <a:t>instance</a:t>
-              </a:r>
-            </a:p>
-            <a:p>
-              <a:pPr algn="ctr"/>
-              <a:r>
-                <a:rPr lang="en-US" sz="1200">
-                  <a:solidFill>
-                    <a:schemeClr val="bg1">
-                      <a:lumMod val="95000"/>
-                    </a:schemeClr>
-                  </a:solidFill>
-                </a:rPr>
-                <a:t>serialization</a:t>
+                <a:t>Load balancing</a:t>
               </a:r>
             </a:p>
           </p:txBody>
         </p:sp>
         <p:sp>
           <p:nvSpPr>
-            <p:cNvPr id="27" name="Rectangle 26"/>
+            <p:cNvPr id="46" name="Rectangle 45"/>
             <p:cNvSpPr/>
             <p:nvPr/>
           </p:nvSpPr>
           <p:spPr>
             <a:xfrm>
-              <a:off x="1996208" y="2598028"/>
-              <a:ext cx="739905" cy="235007"/>
+              <a:off x="9122986" y="1335448"/>
+              <a:ext cx="594538" cy="1541270"/>
             </a:xfrm>
             <a:prstGeom prst="rect">
               <a:avLst/>
             </a:prstGeom>
             <a:solidFill>
-              <a:srgbClr val="C7BBD3"/>
+              <a:schemeClr val="accent3">
+                <a:lumMod val="60000"/>
+                <a:lumOff val="40000"/>
+              </a:schemeClr>
             </a:solidFill>
             <a:ln>
               <a:noFill/>
@@ -3934,271 +4992,51 @@
             </a:fontRef>
           </p:style>
           <p:txBody>
-            <a:bodyPr rtlCol="0" anchor="ctr"/>
+            <a:bodyPr vert="vert270" lIns="0" tIns="7200" rIns="0" bIns="7200" rtlCol="0" anchor="ctr"/>
             <a:lstStyle/>
             <a:p>
               <a:pPr algn="ctr"/>
               <a:r>
                 <a:rPr lang="en-US" sz="1100">
                   <a:solidFill>
-                    <a:schemeClr val="tx1">
-                      <a:lumMod val="50000"/>
-                      <a:lumOff val="50000"/>
-                    </a:schemeClr>
+                    <a:schemeClr val="tx1"/>
                   </a:solidFill>
                 </a:rPr>
-                <a:t>Json</a:t>
+                <a:t>External</a:t>
+              </a:r>
+            </a:p>
+            <a:p>
+              <a:pPr algn="ctr"/>
+              <a:r>
+                <a:rPr lang="en-US" sz="1100">
+                  <a:solidFill>
+                    <a:schemeClr val="tx1"/>
+                  </a:solidFill>
+                </a:rPr>
+                <a:t>activity instances</a:t>
               </a:r>
             </a:p>
           </p:txBody>
         </p:sp>
-        <p:grpSp>
-          <p:nvGrpSpPr>
-            <p:cNvPr id="49" name="Group 48"/>
-            <p:cNvGrpSpPr/>
-            <p:nvPr/>
-          </p:nvGrpSpPr>
-          <p:grpSpPr>
-            <a:xfrm>
-              <a:off x="3478973" y="2833036"/>
-              <a:ext cx="3641494" cy="860344"/>
-              <a:chOff x="3478973" y="3399276"/>
-              <a:chExt cx="3074227" cy="294103"/>
-            </a:xfrm>
-          </p:grpSpPr>
-          <p:sp>
-            <p:nvSpPr>
-              <p:cNvPr id="28" name="Rectangle 27"/>
-              <p:cNvSpPr/>
-              <p:nvPr/>
-            </p:nvSpPr>
-            <p:spPr>
-              <a:xfrm>
-                <a:off x="3478973" y="3399276"/>
-                <a:ext cx="719638" cy="293937"/>
-              </a:xfrm>
-              <a:prstGeom prst="rect">
-                <a:avLst/>
-              </a:prstGeom>
-              <a:solidFill>
-                <a:srgbClr val="B1BC9B"/>
-              </a:solidFill>
-              <a:ln>
-                <a:noFill/>
-              </a:ln>
-              <a:effectLst/>
-            </p:spPr>
-            <p:style>
-              <a:lnRef idx="1">
-                <a:schemeClr val="accent1"/>
-              </a:lnRef>
-              <a:fillRef idx="3">
-                <a:schemeClr val="accent1"/>
-              </a:fillRef>
-              <a:effectRef idx="2">
-                <a:schemeClr val="accent1"/>
-              </a:effectRef>
-              <a:fontRef idx="minor">
-                <a:schemeClr val="lt1"/>
-              </a:fontRef>
-            </p:style>
-            <p:txBody>
-              <a:bodyPr rtlCol="0" anchor="ctr"/>
-              <a:lstStyle/>
-              <a:p>
-                <a:pPr algn="ctr"/>
-                <a:r>
-                  <a:rPr lang="en-US" sz="1100">
-                    <a:solidFill>
-                      <a:schemeClr val="bg1">
-                        <a:lumMod val="95000"/>
-                      </a:schemeClr>
-                    </a:solidFill>
-                  </a:rPr>
-                  <a:t>Mongo</a:t>
-                </a:r>
-              </a:p>
-            </p:txBody>
-          </p:sp>
-          <p:sp>
-            <p:nvSpPr>
-              <p:cNvPr id="33" name="Rectangle 32"/>
-              <p:cNvSpPr/>
-              <p:nvPr/>
-            </p:nvSpPr>
-            <p:spPr>
-              <a:xfrm>
-                <a:off x="4260153" y="3399442"/>
-                <a:ext cx="719638" cy="293937"/>
-              </a:xfrm>
-              <a:prstGeom prst="rect">
-                <a:avLst/>
-              </a:prstGeom>
-              <a:solidFill>
-                <a:srgbClr val="B1BC9B"/>
-              </a:solidFill>
-              <a:ln>
-                <a:noFill/>
-              </a:ln>
-              <a:effectLst/>
-            </p:spPr>
-            <p:style>
-              <a:lnRef idx="1">
-                <a:schemeClr val="accent1"/>
-              </a:lnRef>
-              <a:fillRef idx="3">
-                <a:schemeClr val="accent1"/>
-              </a:fillRef>
-              <a:effectRef idx="2">
-                <a:schemeClr val="accent1"/>
-              </a:effectRef>
-              <a:fontRef idx="minor">
-                <a:schemeClr val="lt1"/>
-              </a:fontRef>
-            </p:style>
-            <p:txBody>
-              <a:bodyPr rtlCol="0" anchor="ctr"/>
-              <a:lstStyle/>
-              <a:p>
-                <a:pPr algn="ctr"/>
-                <a:r>
-                  <a:rPr lang="en-US" sz="1100">
-                    <a:solidFill>
-                      <a:schemeClr val="bg1">
-                        <a:lumMod val="95000"/>
-                      </a:schemeClr>
-                    </a:solidFill>
-                  </a:rPr>
-                  <a:t>Jdbc</a:t>
-                </a:r>
-              </a:p>
-            </p:txBody>
-          </p:sp>
-          <p:sp>
-            <p:nvSpPr>
-              <p:cNvPr id="34" name="Rectangle 33"/>
-              <p:cNvSpPr/>
-              <p:nvPr/>
-            </p:nvSpPr>
-            <p:spPr>
-              <a:xfrm>
-                <a:off x="5048016" y="3399442"/>
-                <a:ext cx="719638" cy="293937"/>
-              </a:xfrm>
-              <a:prstGeom prst="rect">
-                <a:avLst/>
-              </a:prstGeom>
-              <a:solidFill>
-                <a:srgbClr val="B1BC9B"/>
-              </a:solidFill>
-              <a:ln>
-                <a:noFill/>
-              </a:ln>
-              <a:effectLst/>
-            </p:spPr>
-            <p:style>
-              <a:lnRef idx="1">
-                <a:schemeClr val="accent1"/>
-              </a:lnRef>
-              <a:fillRef idx="3">
-                <a:schemeClr val="accent1"/>
-              </a:fillRef>
-              <a:effectRef idx="2">
-                <a:schemeClr val="accent1"/>
-              </a:effectRef>
-              <a:fontRef idx="minor">
-                <a:schemeClr val="lt1"/>
-              </a:fontRef>
-            </p:style>
-            <p:txBody>
-              <a:bodyPr rtlCol="0" anchor="ctr"/>
-              <a:lstStyle/>
-              <a:p>
-                <a:pPr algn="ctr"/>
-                <a:r>
-                  <a:rPr lang="en-US" sz="1100">
-                    <a:solidFill>
-                      <a:schemeClr val="bg1">
-                        <a:lumMod val="95000"/>
-                      </a:schemeClr>
-                    </a:solidFill>
-                  </a:rPr>
-                  <a:t>File</a:t>
-                </a:r>
-              </a:p>
-            </p:txBody>
-          </p:sp>
-          <p:sp>
-            <p:nvSpPr>
-              <p:cNvPr id="35" name="Rectangle 34"/>
-              <p:cNvSpPr/>
-              <p:nvPr/>
-            </p:nvSpPr>
-            <p:spPr>
-              <a:xfrm>
-                <a:off x="5833562" y="3399276"/>
-                <a:ext cx="719638" cy="293937"/>
-              </a:xfrm>
-              <a:prstGeom prst="rect">
-                <a:avLst/>
-              </a:prstGeom>
-              <a:solidFill>
-                <a:srgbClr val="B1BC9B"/>
-              </a:solidFill>
-              <a:ln>
-                <a:noFill/>
-              </a:ln>
-              <a:effectLst/>
-            </p:spPr>
-            <p:style>
-              <a:lnRef idx="1">
-                <a:schemeClr val="accent1"/>
-              </a:lnRef>
-              <a:fillRef idx="3">
-                <a:schemeClr val="accent1"/>
-              </a:fillRef>
-              <a:effectRef idx="2">
-                <a:schemeClr val="accent1"/>
-              </a:effectRef>
-              <a:fontRef idx="minor">
-                <a:schemeClr val="lt1"/>
-              </a:fontRef>
-            </p:style>
-            <p:txBody>
-              <a:bodyPr rtlCol="0" anchor="ctr"/>
-              <a:lstStyle/>
-              <a:p>
-                <a:pPr algn="ctr"/>
-                <a:r>
-                  <a:rPr lang="en-US" sz="1100">
-                    <a:solidFill>
-                      <a:schemeClr val="bg1">
-                        <a:lumMod val="95000"/>
-                      </a:schemeClr>
-                    </a:solidFill>
-                  </a:rPr>
-                  <a:t>…</a:t>
-                </a:r>
-              </a:p>
-            </p:txBody>
-          </p:sp>
-        </p:grpSp>
         <p:sp>
           <p:nvSpPr>
-            <p:cNvPr id="38" name="Rectangle 37"/>
+            <p:cNvPr id="43" name="Rectangle 42"/>
             <p:cNvSpPr/>
             <p:nvPr/>
           </p:nvSpPr>
           <p:spPr>
             <a:xfrm>
-              <a:off x="856395" y="3327566"/>
-              <a:ext cx="739905" cy="194221"/>
+              <a:off x="8425619" y="1335448"/>
+              <a:ext cx="609677" cy="1541270"/>
             </a:xfrm>
             <a:prstGeom prst="rect">
               <a:avLst/>
             </a:prstGeom>
             <a:solidFill>
-              <a:srgbClr val="C7BBD3"/>
+              <a:schemeClr val="accent3">
+                <a:lumMod val="60000"/>
+                <a:lumOff val="40000"/>
+              </a:schemeClr>
             </a:solidFill>
             <a:ln>
               <a:noFill/>
@@ -4220,343 +5058,159 @@
             </a:fontRef>
           </p:style>
           <p:txBody>
-            <a:bodyPr rtlCol="0" anchor="ctr"/>
+            <a:bodyPr vert="vert270" lIns="0" tIns="7200" rIns="0" bIns="7200" rtlCol="0" anchor="ctr"/>
             <a:lstStyle/>
             <a:p>
               <a:pPr algn="ctr"/>
               <a:r>
-                <a:rPr lang="en-US" sz="1000">
+                <a:rPr lang="en-US" sz="1100">
                   <a:solidFill>
-                    <a:schemeClr val="tx1">
-                      <a:lumMod val="50000"/>
-                      <a:lumOff val="50000"/>
-                    </a:schemeClr>
+                    <a:schemeClr val="tx1"/>
                   </a:solidFill>
                 </a:rPr>
-                <a:t>…</a:t>
+                <a:t>Workflow instance </a:t>
+              </a:r>
+            </a:p>
+            <a:p>
+              <a:pPr algn="ctr"/>
+              <a:r>
+                <a:rPr lang="en-US" sz="1100">
+                  <a:solidFill>
+                    <a:schemeClr val="tx1"/>
+                  </a:solidFill>
+                </a:rPr>
+                <a:t>locking</a:t>
               </a:r>
             </a:p>
           </p:txBody>
         </p:sp>
-        <p:grpSp>
-          <p:nvGrpSpPr>
-            <p:cNvPr id="48" name="Group 47"/>
-            <p:cNvGrpSpPr/>
+        <p:sp>
+          <p:nvSpPr>
+            <p:cNvPr id="67" name="Rectangle 66"/>
+            <p:cNvSpPr/>
             <p:nvPr/>
-          </p:nvGrpSpPr>
-          <p:grpSpPr>
+          </p:nvSpPr>
+          <p:spPr>
             <a:xfrm>
-              <a:off x="3478973" y="1804863"/>
-              <a:ext cx="3641494" cy="921404"/>
-              <a:chOff x="3208039" y="421541"/>
-              <a:chExt cx="4147961" cy="848459"/>
+              <a:off x="6443819" y="1335448"/>
+              <a:ext cx="576542" cy="1541270"/>
             </a:xfrm>
+            <a:prstGeom prst="rect">
+              <a:avLst/>
+            </a:prstGeom>
             <a:solidFill>
               <a:schemeClr val="accent3">
                 <a:lumMod val="60000"/>
                 <a:lumOff val="40000"/>
               </a:schemeClr>
             </a:solidFill>
-          </p:grpSpPr>
-          <p:sp>
-            <p:nvSpPr>
-              <p:cNvPr id="43" name="Rectangle 42"/>
-              <p:cNvSpPr/>
-              <p:nvPr/>
-            </p:nvSpPr>
-            <p:spPr>
-              <a:xfrm>
-                <a:off x="3208039" y="430008"/>
-                <a:ext cx="889828" cy="839992"/>
-              </a:xfrm>
-              <a:prstGeom prst="rect">
-                <a:avLst/>
-              </a:prstGeom>
-              <a:grpFill/>
-              <a:ln>
-                <a:noFill/>
-              </a:ln>
-              <a:effectLst/>
-            </p:spPr>
-            <p:style>
-              <a:lnRef idx="1">
-                <a:schemeClr val="accent1"/>
-              </a:lnRef>
-              <a:fillRef idx="3">
-                <a:schemeClr val="accent1"/>
-              </a:fillRef>
-              <a:effectRef idx="2">
-                <a:schemeClr val="accent1"/>
-              </a:effectRef>
-              <a:fontRef idx="minor">
-                <a:schemeClr val="lt1"/>
-              </a:fontRef>
-            </p:style>
-            <p:txBody>
-              <a:bodyPr lIns="0" tIns="7200" rIns="0" bIns="7200" rtlCol="0" anchor="ctr"/>
-              <a:lstStyle/>
-              <a:p>
-                <a:pPr algn="ctr"/>
-                <a:r>
-                  <a:rPr lang="en-US" sz="1100">
-                    <a:solidFill>
-                      <a:schemeClr val="tx1">
-                        <a:lumMod val="50000"/>
-                        <a:lumOff val="50000"/>
-                      </a:schemeClr>
-                    </a:solidFill>
-                  </a:rPr>
-                  <a:t>Workflow instance locking</a:t>
-                </a:r>
-              </a:p>
-            </p:txBody>
-          </p:sp>
-          <p:sp>
-            <p:nvSpPr>
-              <p:cNvPr id="44" name="Rectangle 43"/>
-              <p:cNvSpPr/>
-              <p:nvPr/>
-            </p:nvSpPr>
-            <p:spPr>
-              <a:xfrm>
-                <a:off x="4178283" y="421541"/>
-                <a:ext cx="723917" cy="839992"/>
-              </a:xfrm>
-              <a:prstGeom prst="rect">
-                <a:avLst/>
-              </a:prstGeom>
-              <a:grpFill/>
-              <a:ln>
-                <a:noFill/>
-              </a:ln>
-              <a:effectLst/>
-            </p:spPr>
-            <p:style>
-              <a:lnRef idx="1">
-                <a:schemeClr val="accent1"/>
-              </a:lnRef>
-              <a:fillRef idx="3">
-                <a:schemeClr val="accent1"/>
-              </a:fillRef>
-              <a:effectRef idx="2">
-                <a:schemeClr val="accent1"/>
-              </a:effectRef>
-              <a:fontRef idx="minor">
-                <a:schemeClr val="lt1"/>
-              </a:fontRef>
-            </p:style>
-            <p:txBody>
-              <a:bodyPr lIns="0" tIns="7200" rIns="0" bIns="7200" rtlCol="0" anchor="ctr"/>
-              <a:lstStyle/>
-              <a:p>
-                <a:pPr algn="ctr"/>
-                <a:r>
-                  <a:rPr lang="en-US" sz="1100">
-                    <a:solidFill>
-                      <a:schemeClr val="tx1">
-                        <a:lumMod val="50000"/>
-                        <a:lumOff val="50000"/>
-                      </a:schemeClr>
-                    </a:solidFill>
-                  </a:rPr>
-                  <a:t>Sharding</a:t>
-                </a:r>
-              </a:p>
-            </p:txBody>
-          </p:sp>
-          <p:sp>
-            <p:nvSpPr>
-              <p:cNvPr id="45" name="Rectangle 44"/>
-              <p:cNvSpPr/>
-              <p:nvPr/>
-            </p:nvSpPr>
-            <p:spPr>
-              <a:xfrm>
-                <a:off x="4995334" y="421541"/>
-                <a:ext cx="723917" cy="839992"/>
-              </a:xfrm>
-              <a:prstGeom prst="rect">
-                <a:avLst/>
-              </a:prstGeom>
-              <a:grpFill/>
-              <a:ln>
-                <a:noFill/>
-              </a:ln>
-              <a:effectLst/>
-            </p:spPr>
-            <p:style>
-              <a:lnRef idx="1">
-                <a:schemeClr val="accent1"/>
-              </a:lnRef>
-              <a:fillRef idx="3">
-                <a:schemeClr val="accent1"/>
-              </a:fillRef>
-              <a:effectRef idx="2">
-                <a:schemeClr val="accent1"/>
-              </a:effectRef>
-              <a:fontRef idx="minor">
-                <a:schemeClr val="lt1"/>
-              </a:fontRef>
-            </p:style>
-            <p:txBody>
-              <a:bodyPr lIns="0" tIns="7200" rIns="0" bIns="7200" rtlCol="0" anchor="ctr"/>
-              <a:lstStyle/>
-              <a:p>
-                <a:pPr algn="ctr"/>
-                <a:r>
-                  <a:rPr lang="en-US" sz="1100">
-                    <a:solidFill>
-                      <a:schemeClr val="tx1">
-                        <a:lumMod val="50000"/>
-                        <a:lumOff val="50000"/>
-                      </a:schemeClr>
-                    </a:solidFill>
-                  </a:rPr>
-                  <a:t>Replication</a:t>
-                </a:r>
-              </a:p>
-            </p:txBody>
-          </p:sp>
-          <p:sp>
-            <p:nvSpPr>
-              <p:cNvPr id="46" name="Rectangle 45"/>
-              <p:cNvSpPr/>
-              <p:nvPr/>
-            </p:nvSpPr>
-            <p:spPr>
-              <a:xfrm>
-                <a:off x="5815035" y="430008"/>
-                <a:ext cx="723917" cy="839992"/>
-              </a:xfrm>
-              <a:prstGeom prst="rect">
-                <a:avLst/>
-              </a:prstGeom>
-              <a:grpFill/>
-              <a:ln>
-                <a:noFill/>
-              </a:ln>
-              <a:effectLst/>
-            </p:spPr>
-            <p:style>
-              <a:lnRef idx="1">
-                <a:schemeClr val="accent1"/>
-              </a:lnRef>
-              <a:fillRef idx="3">
-                <a:schemeClr val="accent1"/>
-              </a:fillRef>
-              <a:effectRef idx="2">
-                <a:schemeClr val="accent1"/>
-              </a:effectRef>
-              <a:fontRef idx="minor">
-                <a:schemeClr val="lt1"/>
-              </a:fontRef>
-            </p:style>
-            <p:txBody>
-              <a:bodyPr lIns="0" tIns="7200" rIns="0" bIns="7200" rtlCol="0" anchor="ctr"/>
-              <a:lstStyle/>
-              <a:p>
-                <a:pPr algn="ctr"/>
-                <a:r>
-                  <a:rPr lang="en-US" sz="1100">
-                    <a:solidFill>
-                      <a:schemeClr val="tx1">
-                        <a:lumMod val="50000"/>
-                        <a:lumOff val="50000"/>
-                      </a:schemeClr>
-                    </a:solidFill>
-                  </a:rPr>
-                  <a:t>External</a:t>
-                </a:r>
-              </a:p>
-              <a:p>
-                <a:pPr algn="ctr"/>
-                <a:r>
-                  <a:rPr lang="en-US" sz="1100">
-                    <a:solidFill>
-                      <a:schemeClr val="tx1">
-                        <a:lumMod val="50000"/>
-                        <a:lumOff val="50000"/>
-                      </a:schemeClr>
-                    </a:solidFill>
-                  </a:rPr>
-                  <a:t>activity instances</a:t>
-                </a:r>
-              </a:p>
-            </p:txBody>
-          </p:sp>
-          <p:sp>
-            <p:nvSpPr>
-              <p:cNvPr id="47" name="Rectangle 46"/>
-              <p:cNvSpPr/>
-              <p:nvPr/>
-            </p:nvSpPr>
-            <p:spPr>
-              <a:xfrm>
-                <a:off x="6632083" y="421541"/>
-                <a:ext cx="723917" cy="839992"/>
-              </a:xfrm>
-              <a:prstGeom prst="rect">
-                <a:avLst/>
-              </a:prstGeom>
-              <a:grpFill/>
-              <a:ln>
-                <a:noFill/>
-              </a:ln>
-              <a:effectLst/>
-            </p:spPr>
-            <p:style>
-              <a:lnRef idx="1">
-                <a:schemeClr val="accent1"/>
-              </a:lnRef>
-              <a:fillRef idx="3">
-                <a:schemeClr val="accent1"/>
-              </a:fillRef>
-              <a:effectRef idx="2">
-                <a:schemeClr val="accent1"/>
-              </a:effectRef>
-              <a:fontRef idx="minor">
-                <a:schemeClr val="lt1"/>
-              </a:fontRef>
-            </p:style>
-            <p:txBody>
-              <a:bodyPr lIns="0" tIns="7200" rIns="0" bIns="7200" rtlCol="0" anchor="ctr"/>
-              <a:lstStyle/>
-              <a:p>
-                <a:pPr algn="ctr"/>
-                <a:r>
-                  <a:rPr lang="en-US" sz="1100">
-                    <a:solidFill>
-                      <a:schemeClr val="tx1">
-                        <a:lumMod val="50000"/>
-                        <a:lumOff val="50000"/>
-                      </a:schemeClr>
-                    </a:solidFill>
-                  </a:rPr>
-                  <a:t>Timers</a:t>
-                </a:r>
-              </a:p>
-            </p:txBody>
-          </p:sp>
-        </p:grpSp>
+            <a:ln>
+              <a:noFill/>
+            </a:ln>
+            <a:effectLst/>
+          </p:spPr>
+          <p:style>
+            <a:lnRef idx="1">
+              <a:schemeClr val="accent1"/>
+            </a:lnRef>
+            <a:fillRef idx="3">
+              <a:schemeClr val="accent1"/>
+            </a:fillRef>
+            <a:effectRef idx="2">
+              <a:schemeClr val="accent1"/>
+            </a:effectRef>
+            <a:fontRef idx="minor">
+              <a:schemeClr val="lt1"/>
+            </a:fontRef>
+          </p:style>
+          <p:txBody>
+            <a:bodyPr vert="vert270" lIns="0" tIns="7200" rIns="0" bIns="7200" rtlCol="0" anchor="ctr"/>
+            <a:lstStyle/>
+            <a:p>
+              <a:pPr algn="ctr"/>
+              <a:r>
+                <a:rPr lang="en-US" sz="1100">
+                  <a:solidFill>
+                    <a:schemeClr val="tx1"/>
+                  </a:solidFill>
+                </a:rPr>
+                <a:t>Sharding</a:t>
+              </a:r>
+            </a:p>
+          </p:txBody>
+        </p:sp>
+        <p:sp>
+          <p:nvSpPr>
+            <p:cNvPr id="68" name="Rectangle 67"/>
+            <p:cNvSpPr/>
+            <p:nvPr/>
+          </p:nvSpPr>
+          <p:spPr>
+            <a:xfrm>
+              <a:off x="5797734" y="1335448"/>
+              <a:ext cx="576542" cy="1541270"/>
+            </a:xfrm>
+            <a:prstGeom prst="rect">
+              <a:avLst/>
+            </a:prstGeom>
+            <a:solidFill>
+              <a:schemeClr val="accent3">
+                <a:lumMod val="60000"/>
+                <a:lumOff val="40000"/>
+              </a:schemeClr>
+            </a:solidFill>
+            <a:ln>
+              <a:noFill/>
+            </a:ln>
+            <a:effectLst/>
+          </p:spPr>
+          <p:style>
+            <a:lnRef idx="1">
+              <a:schemeClr val="accent1"/>
+            </a:lnRef>
+            <a:fillRef idx="3">
+              <a:schemeClr val="accent1"/>
+            </a:fillRef>
+            <a:effectRef idx="2">
+              <a:schemeClr val="accent1"/>
+            </a:effectRef>
+            <a:fontRef idx="minor">
+              <a:schemeClr val="lt1"/>
+            </a:fontRef>
+          </p:style>
+          <p:txBody>
+            <a:bodyPr vert="vert270" lIns="0" tIns="7200" rIns="0" bIns="7200" rtlCol="0" anchor="ctr"/>
+            <a:lstStyle/>
+            <a:p>
+              <a:pPr algn="ctr"/>
+              <a:r>
+                <a:rPr lang="en-US" sz="1100">
+                  <a:solidFill>
+                    <a:schemeClr val="tx1"/>
+                  </a:solidFill>
+                </a:rPr>
+                <a:t>Replication</a:t>
+              </a:r>
+            </a:p>
+          </p:txBody>
+        </p:sp>
       </p:grpSp>
       <p:sp>
         <p:nvSpPr>
-          <p:cNvPr id="50" name="Rectangle 49"/>
+          <p:cNvPr id="70" name="Rectangle 69"/>
           <p:cNvSpPr/>
           <p:nvPr/>
         </p:nvSpPr>
         <p:spPr>
-          <a:xfrm>
-            <a:off x="500308" y="1092200"/>
-            <a:ext cx="8152628" cy="562431"/>
+          <a:xfrm rot="16200000">
+            <a:off x="6252258" y="3343361"/>
+            <a:ext cx="1609881" cy="340855"/>
           </a:xfrm>
           <a:prstGeom prst="rect">
             <a:avLst/>
           </a:prstGeom>
           <a:solidFill>
-            <a:schemeClr val="bg2">
-              <a:lumMod val="90000"/>
-            </a:schemeClr>
+            <a:srgbClr val="B1BC9B"/>
           </a:solidFill>
           <a:ln>
             <a:noFill/>
@@ -4578,308 +5232,14 @@
           </a:fontRef>
         </p:style>
         <p:txBody>
-          <a:bodyPr rtlCol="0" anchor="t"/>
+          <a:bodyPr rtlCol="0" anchor="ctr"/>
           <a:lstStyle/>
           <a:p>
             <a:pPr algn="ctr"/>
             <a:r>
-              <a:rPr lang="en-US" sz="1400">
+              <a:rPr lang="en-US" sz="1200">
                 <a:solidFill>
-                  <a:schemeClr val="tx1">
-                    <a:lumMod val="50000"/>
-                    <a:lumOff val="50000"/>
-                  </a:schemeClr>
-                </a:solidFill>
-              </a:rPr>
-              <a:t>Web Service</a:t>
-            </a:r>
-          </a:p>
-          <a:p>
-            <a:pPr algn="ctr"/>
-            <a:r>
-              <a:rPr lang="en-US" sz="1400">
-                <a:solidFill>
-                  <a:schemeClr val="tx1">
-                    <a:lumMod val="50000"/>
-                    <a:lumOff val="50000"/>
-                  </a:schemeClr>
-                </a:solidFill>
-              </a:rPr>
-              <a:t>(REST or other)</a:t>
-            </a:r>
-          </a:p>
-        </p:txBody>
-      </p:sp>
-      <p:sp>
-        <p:nvSpPr>
-          <p:cNvPr id="52" name="Rectangle 51"/>
-          <p:cNvSpPr/>
-          <p:nvPr/>
-        </p:nvSpPr>
-        <p:spPr>
-          <a:xfrm>
-            <a:off x="508773" y="203201"/>
-            <a:ext cx="8152628" cy="723298"/>
-          </a:xfrm>
-          <a:prstGeom prst="rect">
-            <a:avLst/>
-          </a:prstGeom>
-          <a:solidFill>
-            <a:schemeClr val="bg2">
-              <a:lumMod val="90000"/>
-            </a:schemeClr>
-          </a:solidFill>
-          <a:ln>
-            <a:noFill/>
-          </a:ln>
-          <a:effectLst/>
-        </p:spPr>
-        <p:style>
-          <a:lnRef idx="1">
-            <a:schemeClr val="accent1"/>
-          </a:lnRef>
-          <a:fillRef idx="3">
-            <a:schemeClr val="accent1"/>
-          </a:fillRef>
-          <a:effectRef idx="2">
-            <a:schemeClr val="accent1"/>
-          </a:effectRef>
-          <a:fontRef idx="minor">
-            <a:schemeClr val="lt1"/>
-          </a:fontRef>
-        </p:style>
-        <p:txBody>
-          <a:bodyPr rtlCol="0" anchor="t"/>
-          <a:lstStyle/>
-          <a:p>
-            <a:pPr algn="ctr"/>
-            <a:r>
-              <a:rPr lang="en-US" sz="1400">
-                <a:solidFill>
-                  <a:schemeClr val="tx1">
-                    <a:lumMod val="50000"/>
-                    <a:lumOff val="50000"/>
-                  </a:schemeClr>
-                </a:solidFill>
-              </a:rPr>
-              <a:t>Language drivers</a:t>
-            </a:r>
-          </a:p>
-        </p:txBody>
-      </p:sp>
-      <p:sp>
-        <p:nvSpPr>
-          <p:cNvPr id="53" name="Rectangle 52"/>
-          <p:cNvSpPr/>
-          <p:nvPr/>
-        </p:nvSpPr>
-        <p:spPr>
-          <a:xfrm>
-            <a:off x="751113" y="564813"/>
-            <a:ext cx="881140" cy="194221"/>
-          </a:xfrm>
-          <a:prstGeom prst="rect">
-            <a:avLst/>
-          </a:prstGeom>
-          <a:solidFill>
-            <a:schemeClr val="bg2"/>
-          </a:solidFill>
-          <a:ln>
-            <a:noFill/>
-          </a:ln>
-          <a:effectLst/>
-        </p:spPr>
-        <p:style>
-          <a:lnRef idx="1">
-            <a:schemeClr val="accent1"/>
-          </a:lnRef>
-          <a:fillRef idx="3">
-            <a:schemeClr val="accent1"/>
-          </a:fillRef>
-          <a:effectRef idx="2">
-            <a:schemeClr val="accent1"/>
-          </a:effectRef>
-          <a:fontRef idx="minor">
-            <a:schemeClr val="lt1"/>
-          </a:fontRef>
-        </p:style>
-        <p:txBody>
-          <a:bodyPr rtlCol="0" anchor="ctr"/>
-          <a:lstStyle/>
-          <a:p>
-            <a:pPr algn="ctr"/>
-            <a:r>
-              <a:rPr lang="en-US" sz="1100">
-                <a:solidFill>
-                  <a:schemeClr val="tx1">
-                    <a:lumMod val="50000"/>
-                    <a:lumOff val="50000"/>
-                  </a:schemeClr>
-                </a:solidFill>
-              </a:rPr>
-              <a:t>Java</a:t>
-            </a:r>
-          </a:p>
-        </p:txBody>
-      </p:sp>
-      <p:sp>
-        <p:nvSpPr>
-          <p:cNvPr id="54" name="Rectangle 53"/>
-          <p:cNvSpPr/>
-          <p:nvPr/>
-        </p:nvSpPr>
-        <p:spPr>
-          <a:xfrm>
-            <a:off x="1766596" y="564813"/>
-            <a:ext cx="881140" cy="194221"/>
-          </a:xfrm>
-          <a:prstGeom prst="rect">
-            <a:avLst/>
-          </a:prstGeom>
-          <a:solidFill>
-            <a:schemeClr val="bg2"/>
-          </a:solidFill>
-          <a:ln>
-            <a:noFill/>
-          </a:ln>
-          <a:effectLst/>
-        </p:spPr>
-        <p:style>
-          <a:lnRef idx="1">
-            <a:schemeClr val="accent1"/>
-          </a:lnRef>
-          <a:fillRef idx="3">
-            <a:schemeClr val="accent1"/>
-          </a:fillRef>
-          <a:effectRef idx="2">
-            <a:schemeClr val="accent1"/>
-          </a:effectRef>
-          <a:fontRef idx="minor">
-            <a:schemeClr val="lt1"/>
-          </a:fontRef>
-        </p:style>
-        <p:txBody>
-          <a:bodyPr rtlCol="0" anchor="ctr"/>
-          <a:lstStyle/>
-          <a:p>
-            <a:pPr algn="ctr"/>
-            <a:r>
-              <a:rPr lang="en-US" sz="1100">
-                <a:solidFill>
-                  <a:schemeClr val="tx1">
-                    <a:lumMod val="50000"/>
-                    <a:lumOff val="50000"/>
-                  </a:schemeClr>
-                </a:solidFill>
-              </a:rPr>
-              <a:t>Node.js</a:t>
-            </a:r>
-          </a:p>
-        </p:txBody>
-      </p:sp>
-      <p:sp>
-        <p:nvSpPr>
-          <p:cNvPr id="55" name="Rectangle 54"/>
-          <p:cNvSpPr/>
-          <p:nvPr/>
-        </p:nvSpPr>
-        <p:spPr>
-          <a:xfrm>
-            <a:off x="2797805" y="564813"/>
-            <a:ext cx="881140" cy="194221"/>
-          </a:xfrm>
-          <a:prstGeom prst="rect">
-            <a:avLst/>
-          </a:prstGeom>
-          <a:solidFill>
-            <a:schemeClr val="bg2"/>
-          </a:solidFill>
-          <a:ln>
-            <a:noFill/>
-          </a:ln>
-          <a:effectLst/>
-        </p:spPr>
-        <p:style>
-          <a:lnRef idx="1">
-            <a:schemeClr val="accent1"/>
-          </a:lnRef>
-          <a:fillRef idx="3">
-            <a:schemeClr val="accent1"/>
-          </a:fillRef>
-          <a:effectRef idx="2">
-            <a:schemeClr val="accent1"/>
-          </a:effectRef>
-          <a:fontRef idx="minor">
-            <a:schemeClr val="lt1"/>
-          </a:fontRef>
-        </p:style>
-        <p:txBody>
-          <a:bodyPr rtlCol="0" anchor="ctr"/>
-          <a:lstStyle/>
-          <a:p>
-            <a:pPr algn="ctr"/>
-            <a:r>
-              <a:rPr lang="en-US" sz="1100">
-                <a:solidFill>
-                  <a:schemeClr val="tx1">
-                    <a:lumMod val="50000"/>
-                    <a:lumOff val="50000"/>
-                  </a:schemeClr>
-                </a:solidFill>
-              </a:rPr>
-              <a:t>Scala</a:t>
-            </a:r>
-          </a:p>
-        </p:txBody>
-      </p:sp>
-      <p:sp>
-        <p:nvSpPr>
-          <p:cNvPr id="56" name="Rectangle 55"/>
-          <p:cNvSpPr/>
-          <p:nvPr/>
-        </p:nvSpPr>
-        <p:spPr>
-          <a:xfrm>
-            <a:off x="3806940" y="564813"/>
-            <a:ext cx="881140" cy="194221"/>
-          </a:xfrm>
-          <a:prstGeom prst="rect">
-            <a:avLst/>
-          </a:prstGeom>
-          <a:solidFill>
-            <a:schemeClr val="bg2"/>
-          </a:solidFill>
-          <a:ln>
-            <a:noFill/>
-          </a:ln>
-          <a:effectLst/>
-        </p:spPr>
-        <p:style>
-          <a:lnRef idx="1">
-            <a:schemeClr val="accent1"/>
-          </a:lnRef>
-          <a:fillRef idx="3">
-            <a:schemeClr val="accent1"/>
-          </a:fillRef>
-          <a:effectRef idx="2">
-            <a:schemeClr val="accent1"/>
-          </a:effectRef>
-          <a:fontRef idx="minor">
-            <a:schemeClr val="lt1"/>
-          </a:fontRef>
-        </p:style>
-        <p:txBody>
-          <a:bodyPr rtlCol="0" anchor="ctr"/>
-          <a:lstStyle/>
-          <a:p>
-            <a:pPr algn="ctr"/>
-            <a:r>
-              <a:rPr lang="en-US" sz="1100">
-                <a:solidFill>
-                  <a:schemeClr val="tx1">
-                    <a:lumMod val="50000"/>
-                    <a:lumOff val="50000"/>
-                  </a:schemeClr>
+                  <a:srgbClr val="000000"/>
                 </a:solidFill>
               </a:rPr>
               <a:t>…</a:t>

--- a/java-ch03/src/docs/Architecture.pptx
+++ b/java-ch03/src/docs/Architecture.pptx
@@ -3436,8 +3436,8 @@
         </p:nvGrpSpPr>
         <p:grpSpPr>
           <a:xfrm rot="16200000">
-            <a:off x="942332" y="3256665"/>
-            <a:ext cx="881140" cy="1098880"/>
+            <a:off x="989940" y="3079971"/>
+            <a:ext cx="785925" cy="1098880"/>
             <a:chOff x="895740" y="3419330"/>
             <a:chExt cx="881140" cy="1098880"/>
           </a:xfrm>
@@ -5247,6 +5247,58 @@
           </a:p>
         </p:txBody>
       </p:sp>
+      <p:sp>
+        <p:nvSpPr>
+          <p:cNvPr id="71" name="Rectangle 70"/>
+          <p:cNvSpPr/>
+          <p:nvPr/>
+        </p:nvSpPr>
+        <p:spPr>
+          <a:xfrm>
+            <a:off x="833461" y="4054709"/>
+            <a:ext cx="1098881" cy="235007"/>
+          </a:xfrm>
+          <a:prstGeom prst="rect">
+            <a:avLst/>
+          </a:prstGeom>
+          <a:solidFill>
+            <a:srgbClr val="C7BBD3"/>
+          </a:solidFill>
+          <a:ln>
+            <a:noFill/>
+          </a:ln>
+          <a:effectLst/>
+        </p:spPr>
+        <p:style>
+          <a:lnRef idx="1">
+            <a:schemeClr val="accent1"/>
+          </a:lnRef>
+          <a:fillRef idx="3">
+            <a:schemeClr val="accent1"/>
+          </a:fillRef>
+          <a:effectRef idx="2">
+            <a:schemeClr val="accent1"/>
+          </a:effectRef>
+          <a:fontRef idx="minor">
+            <a:schemeClr val="lt1"/>
+          </a:fontRef>
+        </p:style>
+        <p:txBody>
+          <a:bodyPr rtlCol="0" anchor="ctr"/>
+          <a:lstStyle/>
+          <a:p>
+            <a:pPr algn="ctr"/>
+            <a:r>
+              <a:rPr lang="en-US" sz="1100">
+                <a:solidFill>
+                  <a:schemeClr val="tx1"/>
+                </a:solidFill>
+              </a:rPr>
+              <a:t>Expression</a:t>
+            </a:r>
+          </a:p>
+        </p:txBody>
+      </p:sp>
     </p:spTree>
     <p:extLst>
       <p:ext uri="{BB962C8B-B14F-4D97-AF65-F5344CB8AC3E}">

--- a/java-ch03/src/docs/Architecture.pptx
+++ b/java-ch03/src/docs/Architecture.pptx
@@ -287,7 +287,7 @@
           <a:lstStyle/>
           <a:p>
             <a:fld id="{B3384F24-3B02-DC49-9DF4-16C0743FE889}" type="datetimeFigureOut">
-              <a:t>05/09/15</a:t>
+              <a:t>16/09/15</a:t>
             </a:fld>
             <a:endParaRPr lang="en-US"/>
           </a:p>
@@ -455,7 +455,7 @@
           <a:lstStyle/>
           <a:p>
             <a:fld id="{B3384F24-3B02-DC49-9DF4-16C0743FE889}" type="datetimeFigureOut">
-              <a:t>05/09/15</a:t>
+              <a:t>16/09/15</a:t>
             </a:fld>
             <a:endParaRPr lang="en-US"/>
           </a:p>
@@ -633,7 +633,7 @@
           <a:lstStyle/>
           <a:p>
             <a:fld id="{B3384F24-3B02-DC49-9DF4-16C0743FE889}" type="datetimeFigureOut">
-              <a:t>05/09/15</a:t>
+              <a:t>16/09/15</a:t>
             </a:fld>
             <a:endParaRPr lang="en-US"/>
           </a:p>
@@ -801,7 +801,7 @@
           <a:lstStyle/>
           <a:p>
             <a:fld id="{B3384F24-3B02-DC49-9DF4-16C0743FE889}" type="datetimeFigureOut">
-              <a:t>05/09/15</a:t>
+              <a:t>16/09/15</a:t>
             </a:fld>
             <a:endParaRPr lang="en-US"/>
           </a:p>
@@ -1045,7 +1045,7 @@
           <a:lstStyle/>
           <a:p>
             <a:fld id="{B3384F24-3B02-DC49-9DF4-16C0743FE889}" type="datetimeFigureOut">
-              <a:t>05/09/15</a:t>
+              <a:t>16/09/15</a:t>
             </a:fld>
             <a:endParaRPr lang="en-US"/>
           </a:p>
@@ -1331,7 +1331,7 @@
           <a:lstStyle/>
           <a:p>
             <a:fld id="{B3384F24-3B02-DC49-9DF4-16C0743FE889}" type="datetimeFigureOut">
-              <a:t>05/09/15</a:t>
+              <a:t>16/09/15</a:t>
             </a:fld>
             <a:endParaRPr lang="en-US"/>
           </a:p>
@@ -1751,7 +1751,7 @@
           <a:lstStyle/>
           <a:p>
             <a:fld id="{B3384F24-3B02-DC49-9DF4-16C0743FE889}" type="datetimeFigureOut">
-              <a:t>05/09/15</a:t>
+              <a:t>16/09/15</a:t>
             </a:fld>
             <a:endParaRPr lang="en-US"/>
           </a:p>
@@ -1867,7 +1867,7 @@
           <a:lstStyle/>
           <a:p>
             <a:fld id="{B3384F24-3B02-DC49-9DF4-16C0743FE889}" type="datetimeFigureOut">
-              <a:t>05/09/15</a:t>
+              <a:t>16/09/15</a:t>
             </a:fld>
             <a:endParaRPr lang="en-US"/>
           </a:p>
@@ -1960,7 +1960,7 @@
           <a:lstStyle/>
           <a:p>
             <a:fld id="{B3384F24-3B02-DC49-9DF4-16C0743FE889}" type="datetimeFigureOut">
-              <a:t>05/09/15</a:t>
+              <a:t>16/09/15</a:t>
             </a:fld>
             <a:endParaRPr lang="en-US"/>
           </a:p>
@@ -2235,7 +2235,7 @@
           <a:lstStyle/>
           <a:p>
             <a:fld id="{B3384F24-3B02-DC49-9DF4-16C0743FE889}" type="datetimeFigureOut">
-              <a:t>05/09/15</a:t>
+              <a:t>16/09/15</a:t>
             </a:fld>
             <a:endParaRPr lang="en-US"/>
           </a:p>
@@ -2486,7 +2486,7 @@
           <a:lstStyle/>
           <a:p>
             <a:fld id="{B3384F24-3B02-DC49-9DF4-16C0743FE889}" type="datetimeFigureOut">
-              <a:t>05/09/15</a:t>
+              <a:t>16/09/15</a:t>
             </a:fld>
             <a:endParaRPr lang="en-US"/>
           </a:p>
@@ -2697,7 +2697,7 @@
           </a:lstStyle>
           <a:p>
             <a:fld id="{B3384F24-3B02-DC49-9DF4-16C0743FE889}" type="datetimeFigureOut">
-              <a:t>05/09/15</a:t>
+              <a:t>16/09/15</a:t>
             </a:fld>
             <a:endParaRPr lang="en-US"/>
           </a:p>
@@ -3199,7 +3199,7 @@
         <p:spPr>
           <a:xfrm>
             <a:off x="3563458" y="2232597"/>
-            <a:ext cx="5102180" cy="2212521"/>
+            <a:ext cx="3866042" cy="2212521"/>
           </a:xfrm>
           <a:prstGeom prst="rect">
             <a:avLst/>
@@ -3821,8 +3821,8 @@
         </p:nvSpPr>
         <p:spPr>
           <a:xfrm>
-            <a:off x="521474" y="1575827"/>
-            <a:ext cx="7191658" cy="562431"/>
+            <a:off x="521473" y="1575827"/>
+            <a:ext cx="7140859" cy="562431"/>
           </a:xfrm>
           <a:prstGeom prst="rect">
             <a:avLst/>
@@ -3855,7 +3855,6 @@
           <a:bodyPr rtlCol="0" anchor="t"/>
           <a:lstStyle/>
           <a:p>
-            <a:pPr algn="ctr"/>
             <a:r>
               <a:rPr lang="en-US" sz="1400">
                 <a:solidFill>
@@ -3866,7 +3865,6 @@
             </a:r>
           </a:p>
           <a:p>
-            <a:pPr algn="ctr"/>
             <a:r>
               <a:rPr lang="en-US" sz="1400">
                 <a:solidFill>
@@ -3940,8 +3938,8 @@
         </p:nvSpPr>
         <p:spPr>
           <a:xfrm>
-            <a:off x="772279" y="953193"/>
-            <a:ext cx="744967" cy="194221"/>
+            <a:off x="806141" y="953193"/>
+            <a:ext cx="677243" cy="194221"/>
           </a:xfrm>
           <a:prstGeom prst="rect">
             <a:avLst/>
@@ -3992,8 +3990,8 @@
         </p:nvSpPr>
         <p:spPr>
           <a:xfrm>
-            <a:off x="1651447" y="953193"/>
-            <a:ext cx="881140" cy="194221"/>
+            <a:off x="1555612" y="953193"/>
+            <a:ext cx="801036" cy="194221"/>
           </a:xfrm>
           <a:prstGeom prst="rect">
             <a:avLst/>
@@ -4044,8 +4042,8 @@
         </p:nvSpPr>
         <p:spPr>
           <a:xfrm>
-            <a:off x="2639986" y="953193"/>
-            <a:ext cx="881140" cy="194221"/>
+            <a:off x="2461948" y="953193"/>
+            <a:ext cx="801036" cy="194221"/>
           </a:xfrm>
           <a:prstGeom prst="rect">
             <a:avLst/>
@@ -4096,8 +4094,8 @@
         </p:nvSpPr>
         <p:spPr>
           <a:xfrm>
-            <a:off x="3635669" y="953193"/>
-            <a:ext cx="881140" cy="194221"/>
+            <a:off x="3397249" y="953193"/>
+            <a:ext cx="801036" cy="194221"/>
           </a:xfrm>
           <a:prstGeom prst="rect">
             <a:avLst/>
@@ -4519,7 +4517,7 @@
         </p:nvSpPr>
         <p:spPr>
           <a:xfrm>
-            <a:off x="727781" y="1758899"/>
+            <a:off x="2027913" y="1758899"/>
             <a:ext cx="1087195" cy="258509"/>
           </a:xfrm>
           <a:prstGeom prst="rect">
@@ -4836,7 +4834,7 @@
         </p:nvGrpSpPr>
         <p:grpSpPr>
           <a:xfrm>
-            <a:off x="4709246" y="988264"/>
+            <a:off x="4349225" y="988264"/>
             <a:ext cx="2882823" cy="1541270"/>
             <a:chOff x="5797734" y="1335448"/>
             <a:chExt cx="3919790" cy="1541270"/>
@@ -5299,6 +5297,60 @@
           </a:p>
         </p:txBody>
       </p:sp>
+      <p:sp>
+        <p:nvSpPr>
+          <p:cNvPr id="48" name="Rectangle 47"/>
+          <p:cNvSpPr/>
+          <p:nvPr/>
+        </p:nvSpPr>
+        <p:spPr>
+          <a:xfrm>
+            <a:off x="7581900" y="2232597"/>
+            <a:ext cx="1100667" cy="2212521"/>
+          </a:xfrm>
+          <a:prstGeom prst="rect">
+            <a:avLst/>
+          </a:prstGeom>
+          <a:solidFill>
+            <a:schemeClr val="accent2">
+              <a:lumMod val="20000"/>
+              <a:lumOff val="80000"/>
+            </a:schemeClr>
+          </a:solidFill>
+          <a:ln>
+            <a:noFill/>
+          </a:ln>
+          <a:effectLst/>
+        </p:spPr>
+        <p:style>
+          <a:lnRef idx="1">
+            <a:schemeClr val="accent1"/>
+          </a:lnRef>
+          <a:fillRef idx="3">
+            <a:schemeClr val="accent1"/>
+          </a:fillRef>
+          <a:effectRef idx="2">
+            <a:schemeClr val="accent1"/>
+          </a:effectRef>
+          <a:fontRef idx="minor">
+            <a:schemeClr val="lt1"/>
+          </a:fontRef>
+        </p:style>
+        <p:txBody>
+          <a:bodyPr rtlCol="0" anchor="t"/>
+          <a:lstStyle/>
+          <a:p>
+            <a:r>
+              <a:rPr lang="en-US" sz="1400">
+                <a:solidFill>
+                  <a:schemeClr val="tx1"/>
+                </a:solidFill>
+              </a:rPr>
+              <a:t>Descriptors</a:t>
+            </a:r>
+          </a:p>
+        </p:txBody>
+      </p:sp>
     </p:spTree>
     <p:extLst>
       <p:ext uri="{BB962C8B-B14F-4D97-AF65-F5344CB8AC3E}">
